--- a/Draft_September_2022/Figure_1.pptx
+++ b/Draft_September_2022/Figure_1.pptx
@@ -261,7 +261,7 @@
           <a:p>
             <a:fld id="{4CCD7980-6279-3847-9153-1CCE5938AC85}" type="datetimeFigureOut">
               <a:rPr lang="en-CH" smtClean="0"/>
-              <a:t>17.09.22</a:t>
+              <a:t>20.09.22</a:t>
             </a:fld>
             <a:endParaRPr lang="en-CH"/>
           </a:p>
@@ -461,7 +461,7 @@
           <a:p>
             <a:fld id="{4CCD7980-6279-3847-9153-1CCE5938AC85}" type="datetimeFigureOut">
               <a:rPr lang="en-CH" smtClean="0"/>
-              <a:t>17.09.22</a:t>
+              <a:t>20.09.22</a:t>
             </a:fld>
             <a:endParaRPr lang="en-CH"/>
           </a:p>
@@ -671,7 +671,7 @@
           <a:p>
             <a:fld id="{4CCD7980-6279-3847-9153-1CCE5938AC85}" type="datetimeFigureOut">
               <a:rPr lang="en-CH" smtClean="0"/>
-              <a:t>17.09.22</a:t>
+              <a:t>20.09.22</a:t>
             </a:fld>
             <a:endParaRPr lang="en-CH"/>
           </a:p>
@@ -871,7 +871,7 @@
           <a:p>
             <a:fld id="{4CCD7980-6279-3847-9153-1CCE5938AC85}" type="datetimeFigureOut">
               <a:rPr lang="en-CH" smtClean="0"/>
-              <a:t>17.09.22</a:t>
+              <a:t>20.09.22</a:t>
             </a:fld>
             <a:endParaRPr lang="en-CH"/>
           </a:p>
@@ -1147,7 +1147,7 @@
           <a:p>
             <a:fld id="{4CCD7980-6279-3847-9153-1CCE5938AC85}" type="datetimeFigureOut">
               <a:rPr lang="en-CH" smtClean="0"/>
-              <a:t>17.09.22</a:t>
+              <a:t>20.09.22</a:t>
             </a:fld>
             <a:endParaRPr lang="en-CH"/>
           </a:p>
@@ -1415,7 +1415,7 @@
           <a:p>
             <a:fld id="{4CCD7980-6279-3847-9153-1CCE5938AC85}" type="datetimeFigureOut">
               <a:rPr lang="en-CH" smtClean="0"/>
-              <a:t>17.09.22</a:t>
+              <a:t>20.09.22</a:t>
             </a:fld>
             <a:endParaRPr lang="en-CH"/>
           </a:p>
@@ -1830,7 +1830,7 @@
           <a:p>
             <a:fld id="{4CCD7980-6279-3847-9153-1CCE5938AC85}" type="datetimeFigureOut">
               <a:rPr lang="en-CH" smtClean="0"/>
-              <a:t>17.09.22</a:t>
+              <a:t>20.09.22</a:t>
             </a:fld>
             <a:endParaRPr lang="en-CH"/>
           </a:p>
@@ -1972,7 +1972,7 @@
           <a:p>
             <a:fld id="{4CCD7980-6279-3847-9153-1CCE5938AC85}" type="datetimeFigureOut">
               <a:rPr lang="en-CH" smtClean="0"/>
-              <a:t>17.09.22</a:t>
+              <a:t>20.09.22</a:t>
             </a:fld>
             <a:endParaRPr lang="en-CH"/>
           </a:p>
@@ -2085,7 +2085,7 @@
           <a:p>
             <a:fld id="{4CCD7980-6279-3847-9153-1CCE5938AC85}" type="datetimeFigureOut">
               <a:rPr lang="en-CH" smtClean="0"/>
-              <a:t>17.09.22</a:t>
+              <a:t>20.09.22</a:t>
             </a:fld>
             <a:endParaRPr lang="en-CH"/>
           </a:p>
@@ -2398,7 +2398,7 @@
           <a:p>
             <a:fld id="{4CCD7980-6279-3847-9153-1CCE5938AC85}" type="datetimeFigureOut">
               <a:rPr lang="en-CH" smtClean="0"/>
-              <a:t>17.09.22</a:t>
+              <a:t>20.09.22</a:t>
             </a:fld>
             <a:endParaRPr lang="en-CH"/>
           </a:p>
@@ -2687,7 +2687,7 @@
           <a:p>
             <a:fld id="{4CCD7980-6279-3847-9153-1CCE5938AC85}" type="datetimeFigureOut">
               <a:rPr lang="en-CH" smtClean="0"/>
-              <a:t>17.09.22</a:t>
+              <a:t>20.09.22</a:t>
             </a:fld>
             <a:endParaRPr lang="en-CH"/>
           </a:p>
@@ -2930,7 +2930,7 @@
           <a:p>
             <a:fld id="{4CCD7980-6279-3847-9153-1CCE5938AC85}" type="datetimeFigureOut">
               <a:rPr lang="en-CH" smtClean="0"/>
-              <a:t>17.09.22</a:t>
+              <a:t>20.09.22</a:t>
             </a:fld>
             <a:endParaRPr lang="en-CH"/>
           </a:p>
@@ -3349,10 +3349,10 @@
       </p:grpSpPr>
       <p:grpSp>
         <p:nvGrpSpPr>
-          <p:cNvPr id="3" name="Group 2">
-            <a:extLst>
-              <a:ext uri="{FF2B5EF4-FFF2-40B4-BE49-F238E27FC236}">
-                <a16:creationId xmlns:a16="http://schemas.microsoft.com/office/drawing/2014/main" id="{BE7FF953-C359-6900-F7E8-26879B8F9E7B}"/>
+          <p:cNvPr id="5" name="Group 4">
+            <a:extLst>
+              <a:ext uri="{FF2B5EF4-FFF2-40B4-BE49-F238E27FC236}">
+                <a16:creationId xmlns:a16="http://schemas.microsoft.com/office/drawing/2014/main" id="{F116CACC-13AE-6A51-7D12-C4C827AEAF81}"/>
               </a:ext>
             </a:extLst>
           </p:cNvPr>
@@ -3363,16 +3363,1759 @@
           <a:xfrm>
             <a:off x="-76200" y="0"/>
             <a:ext cx="12344400" cy="6945086"/>
-            <a:chOff x="-7038" y="31172"/>
-            <a:chExt cx="9976481" cy="6528730"/>
+            <a:chOff x="-76200" y="0"/>
+            <a:chExt cx="12344400" cy="6945086"/>
           </a:xfrm>
         </p:grpSpPr>
+        <p:grpSp>
+          <p:nvGrpSpPr>
+            <p:cNvPr id="3" name="Group 2">
+              <a:extLst>
+                <a:ext uri="{FF2B5EF4-FFF2-40B4-BE49-F238E27FC236}">
+                  <a16:creationId xmlns:a16="http://schemas.microsoft.com/office/drawing/2014/main" id="{BE7FF953-C359-6900-F7E8-26879B8F9E7B}"/>
+                </a:ext>
+              </a:extLst>
+            </p:cNvPr>
+            <p:cNvGrpSpPr/>
+            <p:nvPr/>
+          </p:nvGrpSpPr>
+          <p:grpSpPr>
+            <a:xfrm>
+              <a:off x="-76200" y="0"/>
+              <a:ext cx="12344400" cy="6945086"/>
+              <a:chOff x="-7038" y="31172"/>
+              <a:chExt cx="9976481" cy="6528730"/>
+            </a:xfrm>
+          </p:grpSpPr>
+          <p:sp>
+            <p:nvSpPr>
+              <p:cNvPr id="51" name="Rectangle 50">
+                <a:extLst>
+                  <a:ext uri="{FF2B5EF4-FFF2-40B4-BE49-F238E27FC236}">
+                    <a16:creationId xmlns:a16="http://schemas.microsoft.com/office/drawing/2014/main" id="{EBBCB305-A280-0EDB-715F-42EBBF4B1DF9}"/>
+                  </a:ext>
+                </a:extLst>
+              </p:cNvPr>
+              <p:cNvSpPr/>
+              <p:nvPr/>
+            </p:nvSpPr>
+            <p:spPr>
+              <a:xfrm>
+                <a:off x="-7038" y="31172"/>
+                <a:ext cx="9976481" cy="6528730"/>
+              </a:xfrm>
+              <a:prstGeom prst="rect">
+                <a:avLst/>
+              </a:prstGeom>
+              <a:solidFill>
+                <a:schemeClr val="bg1">
+                  <a:lumMod val="95000"/>
+                </a:schemeClr>
+              </a:solidFill>
+              <a:ln>
+                <a:solidFill>
+                  <a:schemeClr val="bg1"/>
+                </a:solidFill>
+              </a:ln>
+            </p:spPr>
+            <p:style>
+              <a:lnRef idx="2">
+                <a:schemeClr val="dk1"/>
+              </a:lnRef>
+              <a:fillRef idx="1">
+                <a:schemeClr val="lt1"/>
+              </a:fillRef>
+              <a:effectRef idx="0">
+                <a:schemeClr val="dk1"/>
+              </a:effectRef>
+              <a:fontRef idx="minor">
+                <a:schemeClr val="dk1"/>
+              </a:fontRef>
+            </p:style>
+            <p:txBody>
+              <a:bodyPr rtlCol="0" anchor="ctr"/>
+              <a:lstStyle/>
+              <a:p>
+                <a:pPr algn="ctr"/>
+                <a:endParaRPr lang="en-CH" dirty="0"/>
+              </a:p>
+            </p:txBody>
+          </p:sp>
+          <p:sp>
+            <p:nvSpPr>
+              <p:cNvPr id="4" name="Rectangle 3">
+                <a:extLst>
+                  <a:ext uri="{FF2B5EF4-FFF2-40B4-BE49-F238E27FC236}">
+                    <a16:creationId xmlns:a16="http://schemas.microsoft.com/office/drawing/2014/main" id="{937E5D8F-DB21-D60D-4E13-0899A0EE8A07}"/>
+                  </a:ext>
+                </a:extLst>
+              </p:cNvPr>
+              <p:cNvSpPr/>
+              <p:nvPr/>
+            </p:nvSpPr>
+            <p:spPr>
+              <a:xfrm>
+                <a:off x="333563" y="243630"/>
+                <a:ext cx="1060337" cy="412919"/>
+              </a:xfrm>
+              <a:prstGeom prst="rect">
+                <a:avLst/>
+              </a:prstGeom>
+              <a:solidFill>
+                <a:schemeClr val="bg1">
+                  <a:lumMod val="85000"/>
+                </a:schemeClr>
+              </a:solidFill>
+            </p:spPr>
+            <p:style>
+              <a:lnRef idx="2">
+                <a:schemeClr val="dk1"/>
+              </a:lnRef>
+              <a:fillRef idx="1">
+                <a:schemeClr val="lt1"/>
+              </a:fillRef>
+              <a:effectRef idx="0">
+                <a:schemeClr val="dk1"/>
+              </a:effectRef>
+              <a:fontRef idx="minor">
+                <a:schemeClr val="dk1"/>
+              </a:fontRef>
+            </p:style>
+            <p:txBody>
+              <a:bodyPr rtlCol="0" anchor="ctr"/>
+              <a:lstStyle/>
+              <a:p>
+                <a:pPr algn="ctr"/>
+                <a:r>
+                  <a:rPr lang="en-CH" sz="1200" b="1" dirty="0">
+                    <a:latin typeface="Garamond" panose="02020404030301010803" pitchFamily="18" charset="0"/>
+                  </a:rPr>
+                  <a:t>Speech</a:t>
+                </a:r>
+                <a:r>
+                  <a:rPr lang="en-CH" sz="1200" b="1" baseline="-25000" dirty="0">
+                    <a:latin typeface="Garamond" panose="02020404030301010803" pitchFamily="18" charset="0"/>
+                  </a:rPr>
+                  <a:t>1</a:t>
+                </a:r>
+                <a:endParaRPr lang="en-CH" sz="1400" b="1" baseline="-25000" dirty="0">
+                  <a:latin typeface="Garamond" panose="02020404030301010803" pitchFamily="18" charset="0"/>
+                </a:endParaRPr>
+              </a:p>
+            </p:txBody>
+          </p:sp>
+          <p:sp>
+            <p:nvSpPr>
+              <p:cNvPr id="6" name="Rectangle 5">
+                <a:extLst>
+                  <a:ext uri="{FF2B5EF4-FFF2-40B4-BE49-F238E27FC236}">
+                    <a16:creationId xmlns:a16="http://schemas.microsoft.com/office/drawing/2014/main" id="{A22E23A3-268F-1431-CA74-33E0B063B09B}"/>
+                  </a:ext>
+                </a:extLst>
+              </p:cNvPr>
+              <p:cNvSpPr/>
+              <p:nvPr/>
+            </p:nvSpPr>
+            <p:spPr>
+              <a:xfrm>
+                <a:off x="333563" y="2995816"/>
+                <a:ext cx="1060337" cy="412919"/>
+              </a:xfrm>
+              <a:prstGeom prst="rect">
+                <a:avLst/>
+              </a:prstGeom>
+              <a:solidFill>
+                <a:schemeClr val="bg1">
+                  <a:lumMod val="85000"/>
+                </a:schemeClr>
+              </a:solidFill>
+            </p:spPr>
+            <p:style>
+              <a:lnRef idx="2">
+                <a:schemeClr val="dk1"/>
+              </a:lnRef>
+              <a:fillRef idx="1">
+                <a:schemeClr val="lt1"/>
+              </a:fillRef>
+              <a:effectRef idx="0">
+                <a:schemeClr val="dk1"/>
+              </a:effectRef>
+              <a:fontRef idx="minor">
+                <a:schemeClr val="dk1"/>
+              </a:fontRef>
+            </p:style>
+            <p:txBody>
+              <a:bodyPr rtlCol="0" anchor="ctr"/>
+              <a:lstStyle/>
+              <a:p>
+                <a:pPr algn="ctr"/>
+                <a:r>
+                  <a:rPr lang="en-CH" sz="1200" b="1" dirty="0">
+                    <a:latin typeface="Garamond" panose="02020404030301010803" pitchFamily="18" charset="0"/>
+                  </a:rPr>
+                  <a:t>Speech</a:t>
+                </a:r>
+                <a:r>
+                  <a:rPr lang="en-CH" sz="1200" b="1" baseline="-25000" dirty="0">
+                    <a:latin typeface="Garamond" panose="02020404030301010803" pitchFamily="18" charset="0"/>
+                  </a:rPr>
+                  <a:t>4</a:t>
+                </a:r>
+                <a:endParaRPr lang="en-CH" sz="1400" b="1" baseline="-25000" dirty="0">
+                  <a:latin typeface="Garamond" panose="02020404030301010803" pitchFamily="18" charset="0"/>
+                </a:endParaRPr>
+              </a:p>
+            </p:txBody>
+          </p:sp>
+          <p:sp>
+            <p:nvSpPr>
+              <p:cNvPr id="10" name="Rectangle 9">
+                <a:extLst>
+                  <a:ext uri="{FF2B5EF4-FFF2-40B4-BE49-F238E27FC236}">
+                    <a16:creationId xmlns:a16="http://schemas.microsoft.com/office/drawing/2014/main" id="{0A3E508A-F723-C815-3B18-20D55085344E}"/>
+                  </a:ext>
+                </a:extLst>
+              </p:cNvPr>
+              <p:cNvSpPr/>
+              <p:nvPr/>
+            </p:nvSpPr>
+            <p:spPr>
+              <a:xfrm>
+                <a:off x="2507465" y="199826"/>
+                <a:ext cx="4294135" cy="1386183"/>
+              </a:xfrm>
+              <a:prstGeom prst="rect">
+                <a:avLst/>
+              </a:prstGeom>
+              <a:solidFill>
+                <a:schemeClr val="accent4">
+                  <a:lumMod val="20000"/>
+                  <a:lumOff val="80000"/>
+                </a:schemeClr>
+              </a:solidFill>
+            </p:spPr>
+            <p:style>
+              <a:lnRef idx="2">
+                <a:schemeClr val="accent4">
+                  <a:shade val="50000"/>
+                </a:schemeClr>
+              </a:lnRef>
+              <a:fillRef idx="1">
+                <a:schemeClr val="accent4"/>
+              </a:fillRef>
+              <a:effectRef idx="0">
+                <a:schemeClr val="accent4"/>
+              </a:effectRef>
+              <a:fontRef idx="minor">
+                <a:schemeClr val="lt1"/>
+              </a:fontRef>
+            </p:style>
+            <p:txBody>
+              <a:bodyPr rtlCol="0" anchor="ctr"/>
+              <a:lstStyle/>
+              <a:p>
+                <a:pPr algn="ctr"/>
+                <a:r>
+                  <a:rPr lang="en-CH" sz="1200" b="1" i="1" dirty="0">
+                    <a:solidFill>
+                      <a:schemeClr val="tx1"/>
+                    </a:solidFill>
+                    <a:latin typeface="Garamond" panose="02020404030301010803" pitchFamily="18" charset="0"/>
+                  </a:rPr>
+                  <a:t>Amazonian statement</a:t>
+                </a:r>
+                <a:r>
+                  <a:rPr lang="en-CH" sz="1200" b="1" i="1" baseline="-25000" dirty="0">
+                    <a:solidFill>
+                      <a:schemeClr val="tx1"/>
+                    </a:solidFill>
+                    <a:latin typeface="Garamond" panose="02020404030301010803" pitchFamily="18" charset="0"/>
+                  </a:rPr>
+                  <a:t>1</a:t>
+                </a:r>
+              </a:p>
+              <a:p>
+                <a:pPr algn="ctr"/>
+                <a:endParaRPr lang="en-CH" sz="1200" baseline="-25000" dirty="0">
+                  <a:solidFill>
+                    <a:schemeClr val="tx1"/>
+                  </a:solidFill>
+                  <a:latin typeface="Garamond" panose="02020404030301010803" pitchFamily="18" charset="0"/>
+                </a:endParaRPr>
+              </a:p>
+              <a:p>
+                <a:pPr algn="ctr"/>
+                <a:r>
+                  <a:rPr lang="en-GB" sz="1100" dirty="0">
+                    <a:solidFill>
+                      <a:schemeClr val="bg1">
+                        <a:lumMod val="65000"/>
+                      </a:schemeClr>
+                    </a:solidFill>
+                    <a:latin typeface="Garamond" panose="02020404030301010803" pitchFamily="18" charset="0"/>
+                  </a:rPr>
+                  <a:t>Congressman, the fundamental link for Brazil to really head in the direction to prosperity. I would like first, Hu </a:t>
+                </a:r>
+                <a:r>
+                  <a:rPr lang="en-GB" sz="1100" dirty="0" err="1">
+                    <a:solidFill>
+                      <a:schemeClr val="bg1">
+                        <a:lumMod val="65000"/>
+                      </a:schemeClr>
+                    </a:solidFill>
+                    <a:latin typeface="Garamond" panose="02020404030301010803" pitchFamily="18" charset="0"/>
+                  </a:rPr>
+                  <a:t>Chunhua</a:t>
+                </a:r>
+                <a:r>
+                  <a:rPr lang="en-GB" sz="1100" dirty="0">
+                    <a:solidFill>
+                      <a:schemeClr val="bg1">
+                        <a:lumMod val="65000"/>
+                      </a:schemeClr>
+                    </a:solidFill>
+                    <a:latin typeface="Garamond" panose="02020404030301010803" pitchFamily="18" charset="0"/>
+                  </a:rPr>
+                  <a:t>, to </a:t>
+                </a:r>
+                <a:r>
+                  <a:rPr lang="en-GB" sz="1100" b="1" dirty="0">
+                    <a:solidFill>
+                      <a:schemeClr val="tx1"/>
+                    </a:solidFill>
+                    <a:latin typeface="Garamond" panose="02020404030301010803" pitchFamily="18" charset="0"/>
+                  </a:rPr>
+                  <a:t>thank you for the words of your ambassador to Brazil recognizing our sovereignty over the Amazonian region during that recent episode in the G7 meeting.</a:t>
+                </a:r>
+                <a:r>
+                  <a:rPr lang="en-GB" sz="1100" b="1" dirty="0">
+                    <a:solidFill>
+                      <a:schemeClr val="bg1">
+                        <a:lumMod val="65000"/>
+                      </a:schemeClr>
+                    </a:solidFill>
+                    <a:latin typeface="Garamond" panose="02020404030301010803" pitchFamily="18" charset="0"/>
+                  </a:rPr>
+                  <a:t> </a:t>
+                </a:r>
+                <a:r>
+                  <a:rPr lang="en-GB" sz="1100" dirty="0">
+                    <a:solidFill>
+                      <a:schemeClr val="bg1">
+                        <a:lumMod val="65000"/>
+                      </a:schemeClr>
+                    </a:solidFill>
+                    <a:latin typeface="Garamond" panose="02020404030301010803" pitchFamily="18" charset="0"/>
+                  </a:rPr>
+                  <a:t>I would like to thank the Chinese government. For us, this type of public acknowledgement is priceless in your words about this region that is so important to the world and to Brazil. (Bolsonaro, 25-10-2019)</a:t>
+                </a:r>
+              </a:p>
+            </p:txBody>
+          </p:sp>
+          <p:sp>
+            <p:nvSpPr>
+              <p:cNvPr id="11" name="Rectangle 10">
+                <a:extLst>
+                  <a:ext uri="{FF2B5EF4-FFF2-40B4-BE49-F238E27FC236}">
+                    <a16:creationId xmlns:a16="http://schemas.microsoft.com/office/drawing/2014/main" id="{649FF39A-5804-7264-BE3B-20DF52872A38}"/>
+                  </a:ext>
+                </a:extLst>
+              </p:cNvPr>
+              <p:cNvSpPr/>
+              <p:nvPr/>
+            </p:nvSpPr>
+            <p:spPr>
+              <a:xfrm>
+                <a:off x="2507465" y="1766455"/>
+                <a:ext cx="4294135" cy="1580632"/>
+              </a:xfrm>
+              <a:prstGeom prst="rect">
+                <a:avLst/>
+              </a:prstGeom>
+              <a:solidFill>
+                <a:schemeClr val="accent4">
+                  <a:lumMod val="20000"/>
+                  <a:lumOff val="80000"/>
+                </a:schemeClr>
+              </a:solidFill>
+            </p:spPr>
+            <p:style>
+              <a:lnRef idx="2">
+                <a:schemeClr val="accent4">
+                  <a:shade val="50000"/>
+                </a:schemeClr>
+              </a:lnRef>
+              <a:fillRef idx="1">
+                <a:schemeClr val="accent4"/>
+              </a:fillRef>
+              <a:effectRef idx="0">
+                <a:schemeClr val="accent4"/>
+              </a:effectRef>
+              <a:fontRef idx="minor">
+                <a:schemeClr val="lt1"/>
+              </a:fontRef>
+            </p:style>
+            <p:txBody>
+              <a:bodyPr rtlCol="0" anchor="ctr"/>
+              <a:lstStyle/>
+              <a:p>
+                <a:pPr algn="ctr"/>
+                <a:r>
+                  <a:rPr lang="en-CH" sz="1200" b="1" i="1" dirty="0">
+                    <a:solidFill>
+                      <a:schemeClr val="tx1"/>
+                    </a:solidFill>
+                    <a:latin typeface="Garamond" panose="02020404030301010803" pitchFamily="18" charset="0"/>
+                  </a:rPr>
+                  <a:t>Amazonian statement</a:t>
+                </a:r>
+                <a:r>
+                  <a:rPr lang="en-CH" sz="1200" b="1" i="1" baseline="-25000" dirty="0">
+                    <a:solidFill>
+                      <a:schemeClr val="tx1"/>
+                    </a:solidFill>
+                    <a:latin typeface="Garamond" panose="02020404030301010803" pitchFamily="18" charset="0"/>
+                  </a:rPr>
+                  <a:t>2</a:t>
+                </a:r>
+              </a:p>
+              <a:p>
+                <a:pPr algn="ctr"/>
+                <a:endParaRPr lang="en-CH" sz="1200" baseline="-25000" dirty="0">
+                  <a:solidFill>
+                    <a:schemeClr val="tx1"/>
+                  </a:solidFill>
+                  <a:latin typeface="Garamond" panose="02020404030301010803" pitchFamily="18" charset="0"/>
+                </a:endParaRPr>
+              </a:p>
+              <a:p>
+                <a:pPr algn="ctr"/>
+                <a:r>
+                  <a:rPr lang="en-GB" sz="1100" dirty="0">
+                    <a:solidFill>
+                      <a:schemeClr val="bg1">
+                        <a:lumMod val="65000"/>
+                      </a:schemeClr>
+                    </a:solidFill>
+                    <a:latin typeface="Garamond" panose="02020404030301010803" pitchFamily="18" charset="0"/>
+                  </a:rPr>
+                  <a:t>If you allow me, in the Amazon - which for a long time stayed asleep due to the lack of coordinated actions - have already taken a few structuring actions. </a:t>
+                </a:r>
+                <a:r>
+                  <a:rPr lang="en-GB" sz="1100" b="1" dirty="0">
+                    <a:solidFill>
+                      <a:schemeClr val="tx1"/>
+                    </a:solidFill>
+                    <a:latin typeface="Garamond" panose="02020404030301010803" pitchFamily="18" charset="0"/>
+                  </a:rPr>
+                  <a:t>We, in the Amazon, are connecting Manaus, Boa Vista, </a:t>
+                </a:r>
+                <a:r>
+                  <a:rPr lang="en-GB" sz="1100" b="1" dirty="0" err="1">
+                    <a:solidFill>
+                      <a:schemeClr val="tx1"/>
+                    </a:solidFill>
+                    <a:latin typeface="Garamond" panose="02020404030301010803" pitchFamily="18" charset="0"/>
+                  </a:rPr>
+                  <a:t>Caracarai</a:t>
+                </a:r>
+                <a:r>
+                  <a:rPr lang="en-GB" sz="1100" b="1" dirty="0">
+                    <a:solidFill>
+                      <a:schemeClr val="tx1"/>
+                    </a:solidFill>
+                    <a:latin typeface="Garamond" panose="02020404030301010803" pitchFamily="18" charset="0"/>
+                  </a:rPr>
+                  <a:t>, until up there, the red line [in a map] that goes all the way up in the direction of Venezuela, that is the so-called BR- 174 highway.</a:t>
+                </a:r>
+                <a:r>
+                  <a:rPr lang="en-GB" sz="1100" dirty="0">
+                    <a:solidFill>
+                      <a:schemeClr val="tx1"/>
+                    </a:solidFill>
+                    <a:latin typeface="Garamond" panose="02020404030301010803" pitchFamily="18" charset="0"/>
+                  </a:rPr>
+                  <a:t> </a:t>
+                </a:r>
+                <a:r>
+                  <a:rPr lang="en-GB" sz="1100" dirty="0">
+                    <a:solidFill>
+                      <a:schemeClr val="bg1">
+                        <a:lumMod val="65000"/>
+                      </a:schemeClr>
+                    </a:solidFill>
+                    <a:latin typeface="Garamond" panose="02020404030301010803" pitchFamily="18" charset="0"/>
+                  </a:rPr>
+                  <a:t>This highway will allow production in the Tax Free Zone in Manaus to be competitive, not within, but outside, that is the vocation of the the Tax Free Zone to export; and we can even do it through the Caribbean (Cardoso, 02-07-1997)</a:t>
+                </a:r>
+              </a:p>
+            </p:txBody>
+          </p:sp>
+          <p:sp>
+            <p:nvSpPr>
+              <p:cNvPr id="12" name="Rectangle 11">
+                <a:extLst>
+                  <a:ext uri="{FF2B5EF4-FFF2-40B4-BE49-F238E27FC236}">
+                    <a16:creationId xmlns:a16="http://schemas.microsoft.com/office/drawing/2014/main" id="{845C0F3D-DB9E-8B4B-DD60-FA63E2C684C7}"/>
+                  </a:ext>
+                </a:extLst>
+              </p:cNvPr>
+              <p:cNvSpPr/>
+              <p:nvPr/>
+            </p:nvSpPr>
+            <p:spPr>
+              <a:xfrm>
+                <a:off x="2493979" y="3527532"/>
+                <a:ext cx="4294134" cy="1227034"/>
+              </a:xfrm>
+              <a:prstGeom prst="rect">
+                <a:avLst/>
+              </a:prstGeom>
+              <a:solidFill>
+                <a:schemeClr val="accent2">
+                  <a:lumMod val="20000"/>
+                  <a:lumOff val="80000"/>
+                </a:schemeClr>
+              </a:solidFill>
+            </p:spPr>
+            <p:style>
+              <a:lnRef idx="3">
+                <a:schemeClr val="lt1"/>
+              </a:lnRef>
+              <a:fillRef idx="1">
+                <a:schemeClr val="accent2"/>
+              </a:fillRef>
+              <a:effectRef idx="1">
+                <a:schemeClr val="accent2"/>
+              </a:effectRef>
+              <a:fontRef idx="minor">
+                <a:schemeClr val="lt1"/>
+              </a:fontRef>
+            </p:style>
+            <p:txBody>
+              <a:bodyPr rtlCol="0" anchor="ctr"/>
+              <a:lstStyle/>
+              <a:p>
+                <a:pPr algn="ctr"/>
+                <a:r>
+                  <a:rPr lang="en-CH" sz="1200" b="1" i="1" dirty="0">
+                    <a:solidFill>
+                      <a:schemeClr val="tx1"/>
+                    </a:solidFill>
+                    <a:latin typeface="Garamond" panose="02020404030301010803" pitchFamily="18" charset="0"/>
+                  </a:rPr>
+                  <a:t>Amazonian statement</a:t>
+                </a:r>
+                <a:r>
+                  <a:rPr lang="en-CH" sz="1200" b="1" i="1" baseline="-25000" dirty="0">
+                    <a:solidFill>
+                      <a:schemeClr val="tx1"/>
+                    </a:solidFill>
+                    <a:latin typeface="Garamond" panose="02020404030301010803" pitchFamily="18" charset="0"/>
+                  </a:rPr>
+                  <a:t>3</a:t>
+                </a:r>
+              </a:p>
+              <a:p>
+                <a:pPr algn="ctr"/>
+                <a:endParaRPr lang="en-CH" sz="1200" baseline="-25000" dirty="0">
+                  <a:solidFill>
+                    <a:schemeClr val="tx1"/>
+                  </a:solidFill>
+                  <a:latin typeface="Garamond" panose="02020404030301010803" pitchFamily="18" charset="0"/>
+                </a:endParaRPr>
+              </a:p>
+              <a:p>
+                <a:pPr algn="ctr"/>
+                <a:r>
+                  <a:rPr lang="en-GB" sz="1100" dirty="0">
+                    <a:solidFill>
+                      <a:schemeClr val="bg1">
+                        <a:lumMod val="65000"/>
+                      </a:schemeClr>
+                    </a:solidFill>
+                    <a:latin typeface="Garamond" panose="02020404030301010803" pitchFamily="18" charset="0"/>
+                  </a:rPr>
+                  <a:t>Brazil is going to to Copenhagen with clear proposals. </a:t>
+                </a:r>
+                <a:r>
+                  <a:rPr lang="en-GB" sz="1100" b="1" dirty="0">
+                    <a:solidFill>
+                      <a:schemeClr val="tx1"/>
+                    </a:solidFill>
+                    <a:latin typeface="Garamond" panose="02020404030301010803" pitchFamily="18" charset="0"/>
+                  </a:rPr>
+                  <a:t>Our current success in reducing deforestation</a:t>
+                </a:r>
+                <a:r>
+                  <a:rPr lang="en-GB" sz="1100" b="1" dirty="0">
+                    <a:solidFill>
+                      <a:schemeClr val="bg1">
+                        <a:lumMod val="65000"/>
+                      </a:schemeClr>
+                    </a:solidFill>
+                    <a:latin typeface="Garamond" panose="02020404030301010803" pitchFamily="18" charset="0"/>
+                  </a:rPr>
+                  <a:t> </a:t>
+                </a:r>
+                <a:r>
+                  <a:rPr lang="en-GB" sz="1100" dirty="0">
+                    <a:solidFill>
+                      <a:schemeClr val="bg1">
+                        <a:lumMod val="65000"/>
+                      </a:schemeClr>
+                    </a:solidFill>
+                    <a:latin typeface="Garamond" panose="02020404030301010803" pitchFamily="18" charset="0"/>
+                  </a:rPr>
+                  <a:t>give credibility to our goal of reducing it by 80% by 2020. The Amazonian countries are working to define a common position about climate change. </a:t>
+                </a:r>
+                <a:r>
+                  <a:rPr lang="en-GB" sz="1100" b="1" dirty="0">
+                    <a:solidFill>
+                      <a:schemeClr val="tx1"/>
+                    </a:solidFill>
+                    <a:latin typeface="Garamond" panose="02020404030301010803" pitchFamily="18" charset="0"/>
+                  </a:rPr>
+                  <a:t>We want an a protected Amazon, but sovereign, under the control of the countries that integrate </a:t>
+                </a:r>
+                <a:r>
+                  <a:rPr lang="en-GB" sz="1100" dirty="0">
+                    <a:solidFill>
+                      <a:schemeClr val="tx1"/>
+                    </a:solidFill>
+                    <a:latin typeface="Garamond" panose="02020404030301010803" pitchFamily="18" charset="0"/>
+                  </a:rPr>
+                  <a:t>it </a:t>
+                </a:r>
+                <a:r>
+                  <a:rPr lang="en-GB" sz="1100" dirty="0">
+                    <a:solidFill>
+                      <a:schemeClr val="bg1">
+                        <a:lumMod val="65000"/>
+                      </a:schemeClr>
+                    </a:solidFill>
+                    <a:latin typeface="Garamond" panose="02020404030301010803" pitchFamily="18" charset="0"/>
+                  </a:rPr>
+                  <a:t>(Lula, 05-11-2009)</a:t>
+                </a:r>
+                <a:endParaRPr lang="en-CH" sz="1100" baseline="-25000" dirty="0">
+                  <a:solidFill>
+                    <a:schemeClr val="bg1">
+                      <a:lumMod val="65000"/>
+                    </a:schemeClr>
+                  </a:solidFill>
+                  <a:latin typeface="Garamond" panose="02020404030301010803" pitchFamily="18" charset="0"/>
+                </a:endParaRPr>
+              </a:p>
+            </p:txBody>
+          </p:sp>
+          <p:cxnSp>
+            <p:nvCxnSpPr>
+              <p:cNvPr id="16" name="Straight Connector 15">
+                <a:extLst>
+                  <a:ext uri="{FF2B5EF4-FFF2-40B4-BE49-F238E27FC236}">
+                    <a16:creationId xmlns:a16="http://schemas.microsoft.com/office/drawing/2014/main" id="{B79732D7-1AE1-635A-D5D8-4A30D93267E9}"/>
+                  </a:ext>
+                </a:extLst>
+              </p:cNvPr>
+              <p:cNvCxnSpPr>
+                <a:cxnSpLocks/>
+                <a:stCxn id="4" idx="3"/>
+                <a:endCxn id="10" idx="1"/>
+              </p:cNvCxnSpPr>
+              <p:nvPr/>
+            </p:nvCxnSpPr>
+            <p:spPr>
+              <a:xfrm>
+                <a:off x="1393900" y="450089"/>
+                <a:ext cx="1113565" cy="442829"/>
+              </a:xfrm>
+              <a:prstGeom prst="line">
+                <a:avLst/>
+              </a:prstGeom>
+              <a:ln w="19050">
+                <a:solidFill>
+                  <a:schemeClr val="tx1"/>
+                </a:solidFill>
+                <a:prstDash val="solid"/>
+              </a:ln>
+            </p:spPr>
+            <p:style>
+              <a:lnRef idx="1">
+                <a:schemeClr val="dk1"/>
+              </a:lnRef>
+              <a:fillRef idx="0">
+                <a:schemeClr val="dk1"/>
+              </a:fillRef>
+              <a:effectRef idx="0">
+                <a:schemeClr val="dk1"/>
+              </a:effectRef>
+              <a:fontRef idx="minor">
+                <a:schemeClr val="tx1"/>
+              </a:fontRef>
+            </p:style>
+          </p:cxnSp>
+          <p:cxnSp>
+            <p:nvCxnSpPr>
+              <p:cNvPr id="20" name="Straight Connector 19">
+                <a:extLst>
+                  <a:ext uri="{FF2B5EF4-FFF2-40B4-BE49-F238E27FC236}">
+                    <a16:creationId xmlns:a16="http://schemas.microsoft.com/office/drawing/2014/main" id="{EB9C7CB6-A22D-DC0E-4276-6B6F05148509}"/>
+                  </a:ext>
+                </a:extLst>
+              </p:cNvPr>
+              <p:cNvCxnSpPr>
+                <a:cxnSpLocks/>
+                <a:stCxn id="6" idx="3"/>
+                <a:endCxn id="12" idx="1"/>
+              </p:cNvCxnSpPr>
+              <p:nvPr/>
+            </p:nvCxnSpPr>
+            <p:spPr>
+              <a:xfrm>
+                <a:off x="1393900" y="3202276"/>
+                <a:ext cx="1100079" cy="938774"/>
+              </a:xfrm>
+              <a:prstGeom prst="line">
+                <a:avLst/>
+              </a:prstGeom>
+              <a:ln w="19050">
+                <a:solidFill>
+                  <a:schemeClr val="tx1"/>
+                </a:solidFill>
+                <a:prstDash val="lgDashDotDot"/>
+              </a:ln>
+            </p:spPr>
+            <p:style>
+              <a:lnRef idx="1">
+                <a:schemeClr val="accent1"/>
+              </a:lnRef>
+              <a:fillRef idx="0">
+                <a:schemeClr val="accent1"/>
+              </a:fillRef>
+              <a:effectRef idx="0">
+                <a:schemeClr val="accent1"/>
+              </a:effectRef>
+              <a:fontRef idx="minor">
+                <a:schemeClr val="tx1"/>
+              </a:fontRef>
+            </p:style>
+          </p:cxnSp>
+          <p:cxnSp>
+            <p:nvCxnSpPr>
+              <p:cNvPr id="37" name="Straight Connector 36">
+                <a:extLst>
+                  <a:ext uri="{FF2B5EF4-FFF2-40B4-BE49-F238E27FC236}">
+                    <a16:creationId xmlns:a16="http://schemas.microsoft.com/office/drawing/2014/main" id="{A5E05873-77C7-286B-D18B-06F8AB922E5C}"/>
+                  </a:ext>
+                </a:extLst>
+              </p:cNvPr>
+              <p:cNvCxnSpPr>
+                <a:cxnSpLocks/>
+                <a:stCxn id="11" idx="3"/>
+                <a:endCxn id="45" idx="1"/>
+              </p:cNvCxnSpPr>
+              <p:nvPr/>
+            </p:nvCxnSpPr>
+            <p:spPr>
+              <a:xfrm>
+                <a:off x="6801600" y="2556771"/>
+                <a:ext cx="1011301" cy="84542"/>
+              </a:xfrm>
+              <a:prstGeom prst="line">
+                <a:avLst/>
+              </a:prstGeom>
+              <a:ln w="19050">
+                <a:prstDash val="solid"/>
+              </a:ln>
+            </p:spPr>
+            <p:style>
+              <a:lnRef idx="1">
+                <a:schemeClr val="dk1"/>
+              </a:lnRef>
+              <a:fillRef idx="0">
+                <a:schemeClr val="dk1"/>
+              </a:fillRef>
+              <a:effectRef idx="0">
+                <a:schemeClr val="dk1"/>
+              </a:effectRef>
+              <a:fontRef idx="minor">
+                <a:schemeClr val="tx1"/>
+              </a:fontRef>
+            </p:style>
+          </p:cxnSp>
+          <p:cxnSp>
+            <p:nvCxnSpPr>
+              <p:cNvPr id="42" name="Straight Connector 41">
+                <a:extLst>
+                  <a:ext uri="{FF2B5EF4-FFF2-40B4-BE49-F238E27FC236}">
+                    <a16:creationId xmlns:a16="http://schemas.microsoft.com/office/drawing/2014/main" id="{A4357272-3B79-D3C9-74D0-80118E5581AB}"/>
+                  </a:ext>
+                </a:extLst>
+              </p:cNvPr>
+              <p:cNvCxnSpPr>
+                <a:cxnSpLocks/>
+                <a:stCxn id="12" idx="3"/>
+                <a:endCxn id="44" idx="1"/>
+              </p:cNvCxnSpPr>
+              <p:nvPr/>
+            </p:nvCxnSpPr>
+            <p:spPr>
+              <a:xfrm flipV="1">
+                <a:off x="6788113" y="1429674"/>
+                <a:ext cx="1024787" cy="2711375"/>
+              </a:xfrm>
+              <a:prstGeom prst="line">
+                <a:avLst/>
+              </a:prstGeom>
+              <a:ln w="19050">
+                <a:prstDash val="lgDashDotDot"/>
+              </a:ln>
+            </p:spPr>
+            <p:style>
+              <a:lnRef idx="1">
+                <a:schemeClr val="dk1"/>
+              </a:lnRef>
+              <a:fillRef idx="0">
+                <a:schemeClr val="dk1"/>
+              </a:fillRef>
+              <a:effectRef idx="0">
+                <a:schemeClr val="dk1"/>
+              </a:effectRef>
+              <a:fontRef idx="minor">
+                <a:schemeClr val="tx1"/>
+              </a:fontRef>
+            </p:style>
+          </p:cxnSp>
+          <p:sp>
+            <p:nvSpPr>
+              <p:cNvPr id="44" name="Rectangle 43">
+                <a:extLst>
+                  <a:ext uri="{FF2B5EF4-FFF2-40B4-BE49-F238E27FC236}">
+                    <a16:creationId xmlns:a16="http://schemas.microsoft.com/office/drawing/2014/main" id="{B940671F-0330-1AA6-F0BA-11F4D42A7674}"/>
+                  </a:ext>
+                </a:extLst>
+              </p:cNvPr>
+              <p:cNvSpPr/>
+              <p:nvPr/>
+            </p:nvSpPr>
+            <p:spPr>
+              <a:xfrm>
+                <a:off x="7812900" y="1179629"/>
+                <a:ext cx="1767623" cy="500092"/>
+              </a:xfrm>
+              <a:prstGeom prst="rect">
+                <a:avLst/>
+              </a:prstGeom>
+              <a:ln w="38100">
+                <a:solidFill>
+                  <a:srgbClr val="FF0000"/>
+                </a:solidFill>
+              </a:ln>
+            </p:spPr>
+            <p:style>
+              <a:lnRef idx="2">
+                <a:schemeClr val="accent2"/>
+              </a:lnRef>
+              <a:fillRef idx="1">
+                <a:schemeClr val="lt1"/>
+              </a:fillRef>
+              <a:effectRef idx="0">
+                <a:schemeClr val="accent2"/>
+              </a:effectRef>
+              <a:fontRef idx="minor">
+                <a:schemeClr val="dk1"/>
+              </a:fontRef>
+            </p:style>
+            <p:txBody>
+              <a:bodyPr rtlCol="0" anchor="ctr"/>
+              <a:lstStyle/>
+              <a:p>
+                <a:pPr algn="ctr"/>
+                <a:r>
+                  <a:rPr lang="en-CH" sz="1200" b="1" i="1" dirty="0">
+                    <a:solidFill>
+                      <a:sysClr val="windowText" lastClr="000000"/>
+                    </a:solidFill>
+                    <a:latin typeface="Garamond" panose="02020404030301010803" pitchFamily="18" charset="0"/>
+                  </a:rPr>
+                  <a:t>National Sovereignty</a:t>
+                </a:r>
+              </a:p>
+            </p:txBody>
+          </p:sp>
+          <p:sp>
+            <p:nvSpPr>
+              <p:cNvPr id="45" name="Rectangle 44">
+                <a:extLst>
+                  <a:ext uri="{FF2B5EF4-FFF2-40B4-BE49-F238E27FC236}">
+                    <a16:creationId xmlns:a16="http://schemas.microsoft.com/office/drawing/2014/main" id="{CE8B56E2-B24E-6019-08EA-358CB9BF66E6}"/>
+                  </a:ext>
+                </a:extLst>
+              </p:cNvPr>
+              <p:cNvSpPr/>
+              <p:nvPr/>
+            </p:nvSpPr>
+            <p:spPr>
+              <a:xfrm>
+                <a:off x="7812901" y="2391268"/>
+                <a:ext cx="1767623" cy="500092"/>
+              </a:xfrm>
+              <a:prstGeom prst="rect">
+                <a:avLst/>
+              </a:prstGeom>
+              <a:ln w="38100"/>
+            </p:spPr>
+            <p:style>
+              <a:lnRef idx="2">
+                <a:schemeClr val="accent1"/>
+              </a:lnRef>
+              <a:fillRef idx="1">
+                <a:schemeClr val="lt1"/>
+              </a:fillRef>
+              <a:effectRef idx="0">
+                <a:schemeClr val="accent1"/>
+              </a:effectRef>
+              <a:fontRef idx="minor">
+                <a:schemeClr val="dk1"/>
+              </a:fontRef>
+            </p:style>
+            <p:txBody>
+              <a:bodyPr rtlCol="0" anchor="ctr"/>
+              <a:lstStyle/>
+              <a:p>
+                <a:pPr algn="ctr"/>
+                <a:r>
+                  <a:rPr lang="en-CH" sz="1200" b="1" i="1" dirty="0">
+                    <a:solidFill>
+                      <a:sysClr val="windowText" lastClr="000000"/>
+                    </a:solidFill>
+                    <a:latin typeface="Garamond" panose="02020404030301010803" pitchFamily="18" charset="0"/>
+                  </a:rPr>
+                  <a:t>Economic Integration</a:t>
+                </a:r>
+              </a:p>
+            </p:txBody>
+          </p:sp>
+          <p:sp>
+            <p:nvSpPr>
+              <p:cNvPr id="46" name="Rectangle 45">
+                <a:extLst>
+                  <a:ext uri="{FF2B5EF4-FFF2-40B4-BE49-F238E27FC236}">
+                    <a16:creationId xmlns:a16="http://schemas.microsoft.com/office/drawing/2014/main" id="{AA43F0FC-2E91-C731-3DC8-085935324AE4}"/>
+                  </a:ext>
+                </a:extLst>
+              </p:cNvPr>
+              <p:cNvSpPr/>
+              <p:nvPr/>
+            </p:nvSpPr>
+            <p:spPr>
+              <a:xfrm>
+                <a:off x="7848815" y="3774205"/>
+                <a:ext cx="1776614" cy="500092"/>
+              </a:xfrm>
+              <a:prstGeom prst="rect">
+                <a:avLst/>
+              </a:prstGeom>
+              <a:ln w="38100">
+                <a:solidFill>
+                  <a:schemeClr val="accent2">
+                    <a:lumMod val="75000"/>
+                  </a:schemeClr>
+                </a:solidFill>
+              </a:ln>
+            </p:spPr>
+            <p:style>
+              <a:lnRef idx="2">
+                <a:schemeClr val="dk1"/>
+              </a:lnRef>
+              <a:fillRef idx="1">
+                <a:schemeClr val="lt1"/>
+              </a:fillRef>
+              <a:effectRef idx="0">
+                <a:schemeClr val="dk1"/>
+              </a:effectRef>
+              <a:fontRef idx="minor">
+                <a:schemeClr val="dk1"/>
+              </a:fontRef>
+            </p:style>
+            <p:txBody>
+              <a:bodyPr rtlCol="0" anchor="ctr"/>
+              <a:lstStyle/>
+              <a:p>
+                <a:pPr algn="ctr"/>
+                <a:r>
+                  <a:rPr lang="en-CH" sz="1200" b="1" i="1" dirty="0">
+                    <a:solidFill>
+                      <a:sysClr val="windowText" lastClr="000000"/>
+                    </a:solidFill>
+                    <a:latin typeface="Garamond" panose="02020404030301010803" pitchFamily="18" charset="0"/>
+                  </a:rPr>
+                  <a:t>Social Development</a:t>
+                </a:r>
+              </a:p>
+            </p:txBody>
+          </p:sp>
+          <p:sp>
+            <p:nvSpPr>
+              <p:cNvPr id="47" name="Rectangle 46">
+                <a:extLst>
+                  <a:ext uri="{FF2B5EF4-FFF2-40B4-BE49-F238E27FC236}">
+                    <a16:creationId xmlns:a16="http://schemas.microsoft.com/office/drawing/2014/main" id="{E1418A34-24EA-1F60-7605-9EE423618DAD}"/>
+                  </a:ext>
+                </a:extLst>
+              </p:cNvPr>
+              <p:cNvSpPr/>
+              <p:nvPr/>
+            </p:nvSpPr>
+            <p:spPr>
+              <a:xfrm>
+                <a:off x="7850244" y="5157142"/>
+                <a:ext cx="1776614" cy="500092"/>
+              </a:xfrm>
+              <a:prstGeom prst="rect">
+                <a:avLst/>
+              </a:prstGeom>
+              <a:ln w="38100"/>
+            </p:spPr>
+            <p:style>
+              <a:lnRef idx="2">
+                <a:schemeClr val="accent6"/>
+              </a:lnRef>
+              <a:fillRef idx="1">
+                <a:schemeClr val="lt1"/>
+              </a:fillRef>
+              <a:effectRef idx="0">
+                <a:schemeClr val="accent6"/>
+              </a:effectRef>
+              <a:fontRef idx="minor">
+                <a:schemeClr val="dk1"/>
+              </a:fontRef>
+            </p:style>
+            <p:txBody>
+              <a:bodyPr rtlCol="0" anchor="ctr"/>
+              <a:lstStyle/>
+              <a:p>
+                <a:pPr algn="ctr"/>
+                <a:r>
+                  <a:rPr lang="en-CH" sz="1200" b="1" i="1" dirty="0">
+                    <a:solidFill>
+                      <a:sysClr val="windowText" lastClr="000000"/>
+                    </a:solidFill>
+                    <a:latin typeface="Garamond" panose="02020404030301010803" pitchFamily="18" charset="0"/>
+                  </a:rPr>
+                  <a:t>Environmental Conservation</a:t>
+                </a:r>
+              </a:p>
+            </p:txBody>
+          </p:sp>
+          <p:cxnSp>
+            <p:nvCxnSpPr>
+              <p:cNvPr id="50" name="Straight Connector 49">
+                <a:extLst>
+                  <a:ext uri="{FF2B5EF4-FFF2-40B4-BE49-F238E27FC236}">
+                    <a16:creationId xmlns:a16="http://schemas.microsoft.com/office/drawing/2014/main" id="{C12FE130-A47D-44C5-396B-3777B6038210}"/>
+                  </a:ext>
+                </a:extLst>
+              </p:cNvPr>
+              <p:cNvCxnSpPr>
+                <a:cxnSpLocks/>
+                <a:stCxn id="10" idx="3"/>
+                <a:endCxn id="44" idx="1"/>
+              </p:cNvCxnSpPr>
+              <p:nvPr/>
+            </p:nvCxnSpPr>
+            <p:spPr>
+              <a:xfrm>
+                <a:off x="6801600" y="892918"/>
+                <a:ext cx="1011300" cy="536756"/>
+              </a:xfrm>
+              <a:prstGeom prst="line">
+                <a:avLst/>
+              </a:prstGeom>
+              <a:ln w="19050">
+                <a:prstDash val="solid"/>
+              </a:ln>
+            </p:spPr>
+            <p:style>
+              <a:lnRef idx="1">
+                <a:schemeClr val="dk1"/>
+              </a:lnRef>
+              <a:fillRef idx="0">
+                <a:schemeClr val="dk1"/>
+              </a:fillRef>
+              <a:effectRef idx="0">
+                <a:schemeClr val="dk1"/>
+              </a:effectRef>
+              <a:fontRef idx="minor">
+                <a:schemeClr val="tx1"/>
+              </a:fontRef>
+            </p:style>
+          </p:cxnSp>
+          <p:cxnSp>
+            <p:nvCxnSpPr>
+              <p:cNvPr id="70" name="Straight Connector 69">
+                <a:extLst>
+                  <a:ext uri="{FF2B5EF4-FFF2-40B4-BE49-F238E27FC236}">
+                    <a16:creationId xmlns:a16="http://schemas.microsoft.com/office/drawing/2014/main" id="{B207F496-261D-57DE-9AEE-4CA4CD8CC6B8}"/>
+                  </a:ext>
+                </a:extLst>
+              </p:cNvPr>
+              <p:cNvCxnSpPr>
+                <a:cxnSpLocks/>
+                <a:stCxn id="12" idx="3"/>
+                <a:endCxn id="47" idx="1"/>
+              </p:cNvCxnSpPr>
+              <p:nvPr/>
+            </p:nvCxnSpPr>
+            <p:spPr>
+              <a:xfrm>
+                <a:off x="6788113" y="4141049"/>
+                <a:ext cx="1062131" cy="1266139"/>
+              </a:xfrm>
+              <a:prstGeom prst="line">
+                <a:avLst/>
+              </a:prstGeom>
+              <a:ln w="19050">
+                <a:prstDash val="lgDashDotDot"/>
+              </a:ln>
+            </p:spPr>
+            <p:style>
+              <a:lnRef idx="1">
+                <a:schemeClr val="dk1"/>
+              </a:lnRef>
+              <a:fillRef idx="0">
+                <a:schemeClr val="dk1"/>
+              </a:fillRef>
+              <a:effectRef idx="0">
+                <a:schemeClr val="dk1"/>
+              </a:effectRef>
+              <a:fontRef idx="minor">
+                <a:schemeClr val="tx1"/>
+              </a:fontRef>
+            </p:style>
+          </p:cxnSp>
+          <p:sp>
+            <p:nvSpPr>
+              <p:cNvPr id="60" name="Rectangle 59">
+                <a:extLst>
+                  <a:ext uri="{FF2B5EF4-FFF2-40B4-BE49-F238E27FC236}">
+                    <a16:creationId xmlns:a16="http://schemas.microsoft.com/office/drawing/2014/main" id="{46C36AFF-8E9A-418D-6789-22A7A7697322}"/>
+                  </a:ext>
+                </a:extLst>
+              </p:cNvPr>
+              <p:cNvSpPr/>
+              <p:nvPr/>
+            </p:nvSpPr>
+            <p:spPr>
+              <a:xfrm>
+                <a:off x="336975" y="3923939"/>
+                <a:ext cx="1060337" cy="412919"/>
+              </a:xfrm>
+              <a:prstGeom prst="rect">
+                <a:avLst/>
+              </a:prstGeom>
+              <a:solidFill>
+                <a:schemeClr val="bg1">
+                  <a:lumMod val="85000"/>
+                </a:schemeClr>
+              </a:solidFill>
+            </p:spPr>
+            <p:style>
+              <a:lnRef idx="2">
+                <a:schemeClr val="dk1"/>
+              </a:lnRef>
+              <a:fillRef idx="1">
+                <a:schemeClr val="lt1"/>
+              </a:fillRef>
+              <a:effectRef idx="0">
+                <a:schemeClr val="dk1"/>
+              </a:effectRef>
+              <a:fontRef idx="minor">
+                <a:schemeClr val="dk1"/>
+              </a:fontRef>
+            </p:style>
+            <p:txBody>
+              <a:bodyPr rtlCol="0" anchor="ctr"/>
+              <a:lstStyle/>
+              <a:p>
+                <a:pPr algn="ctr"/>
+                <a:r>
+                  <a:rPr lang="en-CH" sz="1200" b="1" dirty="0">
+                    <a:latin typeface="Garamond" panose="02020404030301010803" pitchFamily="18" charset="0"/>
+                  </a:rPr>
+                  <a:t>Speech</a:t>
+                </a:r>
+                <a:r>
+                  <a:rPr lang="en-CH" sz="1200" b="1" baseline="-25000" dirty="0">
+                    <a:latin typeface="Garamond" panose="02020404030301010803" pitchFamily="18" charset="0"/>
+                  </a:rPr>
+                  <a:t>5</a:t>
+                </a:r>
+                <a:endParaRPr lang="en-CH" sz="1400" b="1" baseline="-25000" dirty="0">
+                  <a:latin typeface="Garamond" panose="02020404030301010803" pitchFamily="18" charset="0"/>
+                </a:endParaRPr>
+              </a:p>
+            </p:txBody>
+          </p:sp>
+          <p:sp>
+            <p:nvSpPr>
+              <p:cNvPr id="69" name="Rectangle 68">
+                <a:extLst>
+                  <a:ext uri="{FF2B5EF4-FFF2-40B4-BE49-F238E27FC236}">
+                    <a16:creationId xmlns:a16="http://schemas.microsoft.com/office/drawing/2014/main" id="{C08C475E-2EE3-3E97-7B36-EDF28E9AFB22}"/>
+                  </a:ext>
+                </a:extLst>
+              </p:cNvPr>
+              <p:cNvSpPr/>
+              <p:nvPr/>
+            </p:nvSpPr>
+            <p:spPr>
+              <a:xfrm>
+                <a:off x="2498474" y="4935012"/>
+                <a:ext cx="4303124" cy="1444445"/>
+              </a:xfrm>
+              <a:prstGeom prst="rect">
+                <a:avLst/>
+              </a:prstGeom>
+              <a:solidFill>
+                <a:schemeClr val="accent2">
+                  <a:lumMod val="20000"/>
+                  <a:lumOff val="80000"/>
+                </a:schemeClr>
+              </a:solidFill>
+            </p:spPr>
+            <p:style>
+              <a:lnRef idx="3">
+                <a:schemeClr val="lt1"/>
+              </a:lnRef>
+              <a:fillRef idx="1">
+                <a:schemeClr val="accent2"/>
+              </a:fillRef>
+              <a:effectRef idx="1">
+                <a:schemeClr val="accent2"/>
+              </a:effectRef>
+              <a:fontRef idx="minor">
+                <a:schemeClr val="lt1"/>
+              </a:fontRef>
+            </p:style>
+            <p:txBody>
+              <a:bodyPr rtlCol="0" anchor="ctr"/>
+              <a:lstStyle/>
+              <a:p>
+                <a:pPr algn="ctr"/>
+                <a:r>
+                  <a:rPr lang="en-CH" sz="1200" b="1" i="1" dirty="0">
+                    <a:solidFill>
+                      <a:schemeClr val="tx1"/>
+                    </a:solidFill>
+                    <a:latin typeface="Garamond" panose="02020404030301010803" pitchFamily="18" charset="0"/>
+                  </a:rPr>
+                  <a:t>Amazonian statement</a:t>
+                </a:r>
+                <a:r>
+                  <a:rPr lang="en-CH" sz="1200" b="1" i="1" baseline="-25000" dirty="0">
+                    <a:solidFill>
+                      <a:schemeClr val="tx1"/>
+                    </a:solidFill>
+                    <a:latin typeface="Garamond" panose="02020404030301010803" pitchFamily="18" charset="0"/>
+                  </a:rPr>
+                  <a:t>4</a:t>
+                </a:r>
+              </a:p>
+              <a:p>
+                <a:pPr algn="ctr"/>
+                <a:endParaRPr lang="en-CH" sz="1200" baseline="-25000" dirty="0">
+                  <a:solidFill>
+                    <a:schemeClr val="tx1"/>
+                  </a:solidFill>
+                  <a:latin typeface="Garamond" panose="02020404030301010803" pitchFamily="18" charset="0"/>
+                </a:endParaRPr>
+              </a:p>
+              <a:p>
+                <a:pPr algn="ctr"/>
+                <a:r>
+                  <a:rPr lang="en-GB" sz="1100" dirty="0">
+                    <a:solidFill>
+                      <a:schemeClr val="bg1">
+                        <a:lumMod val="65000"/>
+                      </a:schemeClr>
+                    </a:solidFill>
+                    <a:latin typeface="Garamond" panose="02020404030301010803" pitchFamily="18" charset="0"/>
+                  </a:rPr>
+                  <a:t>I also want to reaffirm our continued commitment to reducing regional imbalances, boosting transversal policies and infrastructure projects, especially in the Northeast and in the Amazon region. It was important that we soften the impact of the long and prolonged drought in the northeast semi-arid region, </a:t>
+                </a:r>
+                <a:r>
+                  <a:rPr lang="en-GB" sz="1100" b="1" dirty="0">
+                    <a:solidFill>
+                      <a:schemeClr val="tx1"/>
+                    </a:solidFill>
+                    <a:latin typeface="Garamond" panose="02020404030301010803" pitchFamily="18" charset="0"/>
+                  </a:rPr>
+                  <a:t>but even more important will be the completion of the new, transformative infrastructure for our water resources</a:t>
+                </a:r>
+                <a:r>
+                  <a:rPr lang="en-GB" sz="1100" dirty="0">
+                    <a:solidFill>
+                      <a:schemeClr val="tx1"/>
+                    </a:solidFill>
+                    <a:latin typeface="Garamond" panose="02020404030301010803" pitchFamily="18" charset="0"/>
+                  </a:rPr>
+                  <a:t>, </a:t>
+                </a:r>
+                <a:r>
+                  <a:rPr lang="en-GB" sz="1100" dirty="0">
+                    <a:solidFill>
+                      <a:schemeClr val="bg1">
+                        <a:lumMod val="65000"/>
+                      </a:schemeClr>
+                    </a:solidFill>
+                    <a:latin typeface="Garamond" panose="02020404030301010803" pitchFamily="18" charset="0"/>
+                  </a:rPr>
+                  <a:t>protecting more than than 1,000 km of rivers, </a:t>
+                </a:r>
+                <a:r>
+                  <a:rPr lang="en-GB" sz="1100" b="1" dirty="0">
+                    <a:solidFill>
+                      <a:schemeClr val="tx1"/>
+                    </a:solidFill>
+                    <a:latin typeface="Garamond" panose="02020404030301010803" pitchFamily="18" charset="0"/>
+                  </a:rPr>
+                  <a:t>combined with the important social investment more  than one million water</a:t>
+                </a:r>
+                <a:r>
+                  <a:rPr lang="en-GB" sz="1100" b="1" dirty="0">
+                    <a:solidFill>
+                      <a:schemeClr val="bg1">
+                        <a:lumMod val="65000"/>
+                      </a:schemeClr>
+                    </a:solidFill>
+                    <a:latin typeface="Garamond" panose="02020404030301010803" pitchFamily="18" charset="0"/>
+                  </a:rPr>
+                  <a:t> </a:t>
+                </a:r>
+                <a:r>
+                  <a:rPr lang="en-GB" sz="1100" b="1" dirty="0">
+                    <a:solidFill>
+                      <a:schemeClr val="tx1"/>
+                    </a:solidFill>
+                    <a:latin typeface="Garamond" panose="02020404030301010803" pitchFamily="18" charset="0"/>
+                  </a:rPr>
+                  <a:t>tanks</a:t>
+                </a:r>
+                <a:r>
+                  <a:rPr lang="en-GB" sz="1100" dirty="0">
+                    <a:solidFill>
+                      <a:schemeClr val="bg1">
+                        <a:lumMod val="65000"/>
+                      </a:schemeClr>
+                    </a:solidFill>
+                    <a:latin typeface="Garamond" panose="02020404030301010803" pitchFamily="18" charset="0"/>
+                  </a:rPr>
+                  <a:t>. (</a:t>
+                </a:r>
+                <a:r>
+                  <a:rPr lang="en-GB" sz="1100" dirty="0" err="1">
+                    <a:solidFill>
+                      <a:schemeClr val="bg1">
+                        <a:lumMod val="65000"/>
+                      </a:schemeClr>
+                    </a:solidFill>
+                    <a:latin typeface="Garamond" panose="02020404030301010803" pitchFamily="18" charset="0"/>
+                  </a:rPr>
+                  <a:t>Roussef</a:t>
+                </a:r>
+                <a:r>
+                  <a:rPr lang="en-GB" sz="1100" dirty="0">
+                    <a:solidFill>
+                      <a:schemeClr val="bg1">
+                        <a:lumMod val="65000"/>
+                      </a:schemeClr>
+                    </a:solidFill>
+                    <a:latin typeface="Garamond" panose="02020404030301010803" pitchFamily="18" charset="0"/>
+                  </a:rPr>
+                  <a:t>, 01-01-2015)</a:t>
+                </a:r>
+                <a:endParaRPr lang="en-CH" sz="1100" baseline="-25000" dirty="0">
+                  <a:solidFill>
+                    <a:schemeClr val="bg1">
+                      <a:lumMod val="65000"/>
+                    </a:schemeClr>
+                  </a:solidFill>
+                </a:endParaRPr>
+              </a:p>
+            </p:txBody>
+          </p:sp>
+          <p:cxnSp>
+            <p:nvCxnSpPr>
+              <p:cNvPr id="73" name="Straight Connector 72">
+                <a:extLst>
+                  <a:ext uri="{FF2B5EF4-FFF2-40B4-BE49-F238E27FC236}">
+                    <a16:creationId xmlns:a16="http://schemas.microsoft.com/office/drawing/2014/main" id="{891605BC-2F6D-BF37-F4B1-D7A1EA780393}"/>
+                  </a:ext>
+                </a:extLst>
+              </p:cNvPr>
+              <p:cNvCxnSpPr>
+                <a:cxnSpLocks/>
+                <a:stCxn id="60" idx="3"/>
+                <a:endCxn id="69" idx="1"/>
+              </p:cNvCxnSpPr>
+              <p:nvPr/>
+            </p:nvCxnSpPr>
+            <p:spPr>
+              <a:xfrm>
+                <a:off x="1397312" y="4130398"/>
+                <a:ext cx="1101162" cy="1526836"/>
+              </a:xfrm>
+              <a:prstGeom prst="line">
+                <a:avLst/>
+              </a:prstGeom>
+              <a:ln w="19050">
+                <a:solidFill>
+                  <a:schemeClr val="tx1"/>
+                </a:solidFill>
+                <a:prstDash val="lgDashDotDot"/>
+              </a:ln>
+            </p:spPr>
+            <p:style>
+              <a:lnRef idx="1">
+                <a:schemeClr val="accent1"/>
+              </a:lnRef>
+              <a:fillRef idx="0">
+                <a:schemeClr val="accent1"/>
+              </a:fillRef>
+              <a:effectRef idx="0">
+                <a:schemeClr val="accent1"/>
+              </a:effectRef>
+              <a:fontRef idx="minor">
+                <a:schemeClr val="tx1"/>
+              </a:fontRef>
+            </p:style>
+          </p:cxnSp>
+          <p:cxnSp>
+            <p:nvCxnSpPr>
+              <p:cNvPr id="77" name="Straight Connector 76">
+                <a:extLst>
+                  <a:ext uri="{FF2B5EF4-FFF2-40B4-BE49-F238E27FC236}">
+                    <a16:creationId xmlns:a16="http://schemas.microsoft.com/office/drawing/2014/main" id="{9CCE61D8-BB85-82F4-B51A-1CB2398D52E7}"/>
+                  </a:ext>
+                </a:extLst>
+              </p:cNvPr>
+              <p:cNvCxnSpPr>
+                <a:cxnSpLocks/>
+                <a:stCxn id="69" idx="3"/>
+                <a:endCxn id="45" idx="1"/>
+              </p:cNvCxnSpPr>
+              <p:nvPr/>
+            </p:nvCxnSpPr>
+            <p:spPr>
+              <a:xfrm flipV="1">
+                <a:off x="6801598" y="2641314"/>
+                <a:ext cx="1011302" cy="3015921"/>
+              </a:xfrm>
+              <a:prstGeom prst="line">
+                <a:avLst/>
+              </a:prstGeom>
+              <a:ln w="19050">
+                <a:prstDash val="lgDashDotDot"/>
+              </a:ln>
+            </p:spPr>
+            <p:style>
+              <a:lnRef idx="1">
+                <a:schemeClr val="dk1"/>
+              </a:lnRef>
+              <a:fillRef idx="0">
+                <a:schemeClr val="dk1"/>
+              </a:fillRef>
+              <a:effectRef idx="0">
+                <a:schemeClr val="dk1"/>
+              </a:effectRef>
+              <a:fontRef idx="minor">
+                <a:schemeClr val="tx1"/>
+              </a:fontRef>
+            </p:style>
+          </p:cxnSp>
+          <p:cxnSp>
+            <p:nvCxnSpPr>
+              <p:cNvPr id="81" name="Straight Connector 80">
+                <a:extLst>
+                  <a:ext uri="{FF2B5EF4-FFF2-40B4-BE49-F238E27FC236}">
+                    <a16:creationId xmlns:a16="http://schemas.microsoft.com/office/drawing/2014/main" id="{4006D1E8-8164-E48A-CB7D-08FC3A472A24}"/>
+                  </a:ext>
+                </a:extLst>
+              </p:cNvPr>
+              <p:cNvCxnSpPr>
+                <a:cxnSpLocks/>
+                <a:stCxn id="69" idx="3"/>
+                <a:endCxn id="46" idx="1"/>
+              </p:cNvCxnSpPr>
+              <p:nvPr/>
+            </p:nvCxnSpPr>
+            <p:spPr>
+              <a:xfrm flipV="1">
+                <a:off x="6801598" y="4024251"/>
+                <a:ext cx="1047217" cy="1632984"/>
+              </a:xfrm>
+              <a:prstGeom prst="line">
+                <a:avLst/>
+              </a:prstGeom>
+              <a:ln w="19050">
+                <a:prstDash val="lgDashDotDot"/>
+              </a:ln>
+            </p:spPr>
+            <p:style>
+              <a:lnRef idx="1">
+                <a:schemeClr val="dk1"/>
+              </a:lnRef>
+              <a:fillRef idx="0">
+                <a:schemeClr val="dk1"/>
+              </a:fillRef>
+              <a:effectRef idx="0">
+                <a:schemeClr val="dk1"/>
+              </a:effectRef>
+              <a:fontRef idx="minor">
+                <a:schemeClr val="tx1"/>
+              </a:fontRef>
+            </p:style>
+          </p:cxnSp>
+          <p:sp>
+            <p:nvSpPr>
+              <p:cNvPr id="31" name="Rectangle 30">
+                <a:extLst>
+                  <a:ext uri="{FF2B5EF4-FFF2-40B4-BE49-F238E27FC236}">
+                    <a16:creationId xmlns:a16="http://schemas.microsoft.com/office/drawing/2014/main" id="{CAF0FBB4-03F7-B34D-A8FA-3028C7E76C3C}"/>
+                  </a:ext>
+                </a:extLst>
+              </p:cNvPr>
+              <p:cNvSpPr/>
+              <p:nvPr/>
+            </p:nvSpPr>
+            <p:spPr>
+              <a:xfrm>
+                <a:off x="333563" y="1156641"/>
+                <a:ext cx="1060337" cy="412919"/>
+              </a:xfrm>
+              <a:prstGeom prst="rect">
+                <a:avLst/>
+              </a:prstGeom>
+              <a:solidFill>
+                <a:schemeClr val="bg1">
+                  <a:lumMod val="85000"/>
+                </a:schemeClr>
+              </a:solidFill>
+            </p:spPr>
+            <p:style>
+              <a:lnRef idx="2">
+                <a:schemeClr val="dk1"/>
+              </a:lnRef>
+              <a:fillRef idx="1">
+                <a:schemeClr val="lt1"/>
+              </a:fillRef>
+              <a:effectRef idx="0">
+                <a:schemeClr val="dk1"/>
+              </a:effectRef>
+              <a:fontRef idx="minor">
+                <a:schemeClr val="dk1"/>
+              </a:fontRef>
+            </p:style>
+            <p:txBody>
+              <a:bodyPr rtlCol="0" anchor="ctr"/>
+              <a:lstStyle/>
+              <a:p>
+                <a:pPr algn="ctr"/>
+                <a:r>
+                  <a:rPr lang="en-CH" sz="1200" b="1" dirty="0">
+                    <a:latin typeface="Garamond" panose="02020404030301010803" pitchFamily="18" charset="0"/>
+                  </a:rPr>
+                  <a:t>Speech</a:t>
+                </a:r>
+                <a:r>
+                  <a:rPr lang="en-CH" sz="1200" b="1" baseline="-25000" dirty="0">
+                    <a:latin typeface="Garamond" panose="02020404030301010803" pitchFamily="18" charset="0"/>
+                  </a:rPr>
+                  <a:t>2</a:t>
+                </a:r>
+              </a:p>
+            </p:txBody>
+          </p:sp>
+          <p:sp>
+            <p:nvSpPr>
+              <p:cNvPr id="2" name="TextBox 1">
+                <a:extLst>
+                  <a:ext uri="{FF2B5EF4-FFF2-40B4-BE49-F238E27FC236}">
+                    <a16:creationId xmlns:a16="http://schemas.microsoft.com/office/drawing/2014/main" id="{3692F934-BDF4-A324-19DA-3FAD3BFF75EA}"/>
+                  </a:ext>
+                </a:extLst>
+              </p:cNvPr>
+              <p:cNvSpPr txBox="1"/>
+              <p:nvPr/>
+            </p:nvSpPr>
+            <p:spPr>
+              <a:xfrm>
+                <a:off x="590191" y="5467548"/>
+                <a:ext cx="573340" cy="267953"/>
+              </a:xfrm>
+              <a:prstGeom prst="rect">
+                <a:avLst/>
+              </a:prstGeom>
+              <a:noFill/>
+            </p:spPr>
+            <p:txBody>
+              <a:bodyPr wrap="square" rtlCol="0">
+                <a:spAutoFit/>
+              </a:bodyPr>
+              <a:lstStyle/>
+              <a:p>
+                <a:r>
+                  <a:rPr lang="en-CH" sz="1200" dirty="0">
+                    <a:latin typeface="Garamond" panose="02020404030301010803" pitchFamily="18" charset="0"/>
+                  </a:rPr>
+                  <a:t>Legend</a:t>
+                </a:r>
+                <a:r>
+                  <a:rPr lang="en-CH" sz="1200" dirty="0"/>
+                  <a:t>:</a:t>
+                </a:r>
+              </a:p>
+            </p:txBody>
+          </p:sp>
+          <p:sp>
+            <p:nvSpPr>
+              <p:cNvPr id="32" name="Rectangle 31">
+                <a:extLst>
+                  <a:ext uri="{FF2B5EF4-FFF2-40B4-BE49-F238E27FC236}">
+                    <a16:creationId xmlns:a16="http://schemas.microsoft.com/office/drawing/2014/main" id="{7B92F540-5C5C-E96D-8892-0703CACE8EFB}"/>
+                  </a:ext>
+                </a:extLst>
+              </p:cNvPr>
+              <p:cNvSpPr/>
+              <p:nvPr/>
+            </p:nvSpPr>
+            <p:spPr>
+              <a:xfrm>
+                <a:off x="457963" y="5733731"/>
+                <a:ext cx="805234" cy="264982"/>
+              </a:xfrm>
+              <a:prstGeom prst="rect">
+                <a:avLst/>
+              </a:prstGeom>
+              <a:solidFill>
+                <a:schemeClr val="accent4">
+                  <a:lumMod val="20000"/>
+                  <a:lumOff val="80000"/>
+                </a:schemeClr>
+              </a:solidFill>
+            </p:spPr>
+            <p:style>
+              <a:lnRef idx="2">
+                <a:schemeClr val="accent4">
+                  <a:shade val="50000"/>
+                </a:schemeClr>
+              </a:lnRef>
+              <a:fillRef idx="1">
+                <a:schemeClr val="accent4"/>
+              </a:fillRef>
+              <a:effectRef idx="0">
+                <a:schemeClr val="accent4"/>
+              </a:effectRef>
+              <a:fontRef idx="minor">
+                <a:schemeClr val="lt1"/>
+              </a:fontRef>
+            </p:style>
+            <p:txBody>
+              <a:bodyPr rtlCol="0" anchor="ctr"/>
+              <a:lstStyle/>
+              <a:p>
+                <a:pPr algn="ctr"/>
+                <a:r>
+                  <a:rPr lang="en-CH" sz="1200" dirty="0">
+                    <a:solidFill>
+                      <a:schemeClr val="tx1"/>
+                    </a:solidFill>
+                    <a:latin typeface="Garamond" panose="02020404030301010803" pitchFamily="18" charset="0"/>
+                  </a:rPr>
+                  <a:t>Pure-types</a:t>
+                </a:r>
+                <a:endParaRPr lang="en-CH" sz="1200" baseline="-25000" dirty="0">
+                  <a:solidFill>
+                    <a:schemeClr val="tx1"/>
+                  </a:solidFill>
+                  <a:latin typeface="Garamond" panose="02020404030301010803" pitchFamily="18" charset="0"/>
+                </a:endParaRPr>
+              </a:p>
+            </p:txBody>
+          </p:sp>
+          <p:sp>
+            <p:nvSpPr>
+              <p:cNvPr id="33" name="Rectangle 32">
+                <a:extLst>
+                  <a:ext uri="{FF2B5EF4-FFF2-40B4-BE49-F238E27FC236}">
+                    <a16:creationId xmlns:a16="http://schemas.microsoft.com/office/drawing/2014/main" id="{BC85E3AD-321C-62D5-197C-A02B20F10B95}"/>
+                  </a:ext>
+                </a:extLst>
+              </p:cNvPr>
+              <p:cNvSpPr/>
+              <p:nvPr/>
+            </p:nvSpPr>
+            <p:spPr>
+              <a:xfrm>
+                <a:off x="457963" y="6047097"/>
+                <a:ext cx="805234" cy="264982"/>
+              </a:xfrm>
+              <a:prstGeom prst="rect">
+                <a:avLst/>
+              </a:prstGeom>
+              <a:solidFill>
+                <a:schemeClr val="accent2">
+                  <a:lumMod val="20000"/>
+                  <a:lumOff val="80000"/>
+                </a:schemeClr>
+              </a:solidFill>
+            </p:spPr>
+            <p:style>
+              <a:lnRef idx="3">
+                <a:schemeClr val="lt1"/>
+              </a:lnRef>
+              <a:fillRef idx="1">
+                <a:schemeClr val="accent2"/>
+              </a:fillRef>
+              <a:effectRef idx="1">
+                <a:schemeClr val="accent2"/>
+              </a:effectRef>
+              <a:fontRef idx="minor">
+                <a:schemeClr val="lt1"/>
+              </a:fontRef>
+            </p:style>
+            <p:txBody>
+              <a:bodyPr rtlCol="0" anchor="ctr"/>
+              <a:lstStyle/>
+              <a:p>
+                <a:pPr algn="ctr"/>
+                <a:r>
+                  <a:rPr lang="en-CH" sz="1200" dirty="0">
+                    <a:solidFill>
+                      <a:schemeClr val="tx1"/>
+                    </a:solidFill>
+                    <a:latin typeface="Garamond" panose="02020404030301010803" pitchFamily="18" charset="0"/>
+                  </a:rPr>
+                  <a:t>Mixed-types</a:t>
+                </a:r>
+                <a:endParaRPr lang="en-CH" sz="1200" baseline="-25000" dirty="0">
+                  <a:solidFill>
+                    <a:schemeClr val="tx1"/>
+                  </a:solidFill>
+                  <a:latin typeface="Garamond" panose="02020404030301010803" pitchFamily="18" charset="0"/>
+                </a:endParaRPr>
+              </a:p>
+            </p:txBody>
+          </p:sp>
+        </p:grpSp>
         <p:sp>
           <p:nvSpPr>
-            <p:cNvPr id="51" name="Rectangle 50">
+            <p:cNvPr id="40" name="Rectangle 39">
               <a:extLst>
                 <a:ext uri="{FF2B5EF4-FFF2-40B4-BE49-F238E27FC236}">
-                  <a16:creationId xmlns:a16="http://schemas.microsoft.com/office/drawing/2014/main" id="{EBBCB305-A280-0EDB-715F-42EBBF4B1DF9}"/>
+                  <a16:creationId xmlns:a16="http://schemas.microsoft.com/office/drawing/2014/main" id="{9740A285-D1EE-3D1B-1FB8-6359214A6135}"/>
                 </a:ext>
               </a:extLst>
             </p:cNvPr>
@@ -3381,22 +5124,17 @@
           </p:nvSpPr>
           <p:spPr>
             <a:xfrm>
-              <a:off x="-7038" y="31172"/>
-              <a:ext cx="9976481" cy="6528730"/>
+              <a:off x="361488" y="5125442"/>
+              <a:ext cx="1312008" cy="439252"/>
             </a:xfrm>
             <a:prstGeom prst="rect">
               <a:avLst/>
             </a:prstGeom>
             <a:solidFill>
               <a:schemeClr val="bg1">
-                <a:lumMod val="95000"/>
+                <a:lumMod val="85000"/>
               </a:schemeClr>
             </a:solidFill>
-            <a:ln>
-              <a:solidFill>
-                <a:schemeClr val="bg1"/>
-              </a:solidFill>
-            </a:ln>
           </p:spPr>
           <p:style>
             <a:lnRef idx="2">
@@ -3417,16 +5155,72 @@
             <a:lstStyle/>
             <a:p>
               <a:pPr algn="ctr"/>
-              <a:endParaRPr lang="en-CH" dirty="0"/>
+              <a:r>
+                <a:rPr lang="en-CH" sz="1400" b="1" dirty="0">
+                  <a:latin typeface="Garamond" panose="02020404030301010803" pitchFamily="18" charset="0"/>
+                </a:rPr>
+                <a:t>Speech</a:t>
+              </a:r>
+              <a:r>
+                <a:rPr lang="en-CH" sz="1400" b="1" baseline="-25000" dirty="0">
+                  <a:latin typeface="Garamond" panose="02020404030301010803" pitchFamily="18" charset="0"/>
+                </a:rPr>
+                <a:t>6130</a:t>
+              </a:r>
             </a:p>
           </p:txBody>
         </p:sp>
+        <p:cxnSp>
+          <p:nvCxnSpPr>
+            <p:cNvPr id="41" name="Straight Connector 40">
+              <a:extLst>
+                <a:ext uri="{FF2B5EF4-FFF2-40B4-BE49-F238E27FC236}">
+                  <a16:creationId xmlns:a16="http://schemas.microsoft.com/office/drawing/2014/main" id="{6D1BB8CB-6E79-9B30-E462-8573C70A16CB}"/>
+                </a:ext>
+              </a:extLst>
+            </p:cNvPr>
+            <p:cNvCxnSpPr>
+              <a:cxnSpLocks/>
+              <a:stCxn id="60" idx="2"/>
+            </p:cNvCxnSpPr>
+            <p:nvPr/>
+          </p:nvCxnSpPr>
+          <p:spPr>
+            <a:xfrm flipH="1">
+              <a:off x="997347" y="4580272"/>
+              <a:ext cx="8122" cy="545170"/>
+            </a:xfrm>
+            <a:prstGeom prst="line">
+              <a:avLst/>
+            </a:prstGeom>
+            <a:ln w="19050" cmpd="sng">
+              <a:solidFill>
+                <a:schemeClr val="tx1"/>
+              </a:solidFill>
+              <a:prstDash val="sysDot"/>
+            </a:ln>
+          </p:spPr>
+          <p:style>
+            <a:lnRef idx="1">
+              <a:schemeClr val="accent1"/>
+            </a:lnRef>
+            <a:fillRef idx="0">
+              <a:schemeClr val="accent1"/>
+            </a:fillRef>
+            <a:effectRef idx="0">
+              <a:schemeClr val="accent1"/>
+            </a:effectRef>
+            <a:fontRef idx="minor">
+              <a:schemeClr val="tx1"/>
+            </a:fontRef>
+          </p:style>
+        </p:cxnSp>
         <p:sp>
           <p:nvSpPr>
-            <p:cNvPr id="4" name="Rectangle 3">
+            <p:cNvPr id="190" name="Rectangle 189">
               <a:extLst>
                 <a:ext uri="{FF2B5EF4-FFF2-40B4-BE49-F238E27FC236}">
-                  <a16:creationId xmlns:a16="http://schemas.microsoft.com/office/drawing/2014/main" id="{937E5D8F-DB21-D60D-4E13-0899A0EE8A07}"/>
+                  <a16:creationId xmlns:a16="http://schemas.microsoft.com/office/drawing/2014/main" id="{CFA4B386-0F2A-B129-F1B4-AACD3DC8A97A}"/>
                 </a:ext>
               </a:extLst>
             </p:cNvPr>
@@ -3435,8 +5229,8 @@
           </p:nvSpPr>
           <p:spPr>
             <a:xfrm>
-              <a:off x="333563" y="243630"/>
-              <a:ext cx="1060337" cy="412919"/>
+              <a:off x="345243" y="2168479"/>
+              <a:ext cx="1312008" cy="439252"/>
             </a:xfrm>
             <a:prstGeom prst="rect">
               <a:avLst/>
@@ -3476,7 +5270,7 @@
                 <a:rPr lang="en-CH" sz="1200" b="1" baseline="-25000" dirty="0">
                   <a:latin typeface="Garamond" panose="02020404030301010803" pitchFamily="18" charset="0"/>
                 </a:rPr>
-                <a:t>1</a:t>
+                <a:t>3</a:t>
               </a:r>
               <a:endParaRPr lang="en-CH" sz="1400" b="1" baseline="-25000" dirty="0">
                 <a:latin typeface="Garamond" panose="02020404030301010803" pitchFamily="18" charset="0"/>
@@ -3484,531 +5278,25 @@
             </a:p>
           </p:txBody>
         </p:sp>
-        <p:sp>
-          <p:nvSpPr>
-            <p:cNvPr id="6" name="Rectangle 5">
+        <p:cxnSp>
+          <p:nvCxnSpPr>
+            <p:cNvPr id="196" name="Straight Connector 195">
               <a:extLst>
                 <a:ext uri="{FF2B5EF4-FFF2-40B4-BE49-F238E27FC236}">
-                  <a16:creationId xmlns:a16="http://schemas.microsoft.com/office/drawing/2014/main" id="{A22E23A3-268F-1431-CA74-33E0B063B09B}"/>
-                </a:ext>
-              </a:extLst>
-            </p:cNvPr>
-            <p:cNvSpPr/>
-            <p:nvPr/>
-          </p:nvSpPr>
-          <p:spPr>
-            <a:xfrm>
-              <a:off x="333563" y="2995816"/>
-              <a:ext cx="1060337" cy="412919"/>
-            </a:xfrm>
-            <a:prstGeom prst="rect">
-              <a:avLst/>
-            </a:prstGeom>
-            <a:solidFill>
-              <a:schemeClr val="bg1">
-                <a:lumMod val="85000"/>
-              </a:schemeClr>
-            </a:solidFill>
-          </p:spPr>
-          <p:style>
-            <a:lnRef idx="2">
-              <a:schemeClr val="dk1"/>
-            </a:lnRef>
-            <a:fillRef idx="1">
-              <a:schemeClr val="lt1"/>
-            </a:fillRef>
-            <a:effectRef idx="0">
-              <a:schemeClr val="dk1"/>
-            </a:effectRef>
-            <a:fontRef idx="minor">
-              <a:schemeClr val="dk1"/>
-            </a:fontRef>
-          </p:style>
-          <p:txBody>
-            <a:bodyPr rtlCol="0" anchor="ctr"/>
-            <a:lstStyle/>
-            <a:p>
-              <a:pPr algn="ctr"/>
-              <a:r>
-                <a:rPr lang="en-CH" sz="1200" b="1" dirty="0">
-                  <a:latin typeface="Garamond" panose="02020404030301010803" pitchFamily="18" charset="0"/>
-                </a:rPr>
-                <a:t>Speech</a:t>
-              </a:r>
-              <a:r>
-                <a:rPr lang="en-CH" sz="1200" b="1" baseline="-25000" dirty="0">
-                  <a:latin typeface="Garamond" panose="02020404030301010803" pitchFamily="18" charset="0"/>
-                </a:rPr>
-                <a:t>4</a:t>
-              </a:r>
-              <a:endParaRPr lang="en-CH" sz="1400" b="1" baseline="-25000" dirty="0">
-                <a:latin typeface="Garamond" panose="02020404030301010803" pitchFamily="18" charset="0"/>
-              </a:endParaRPr>
-            </a:p>
-          </p:txBody>
-        </p:sp>
-        <p:sp>
-          <p:nvSpPr>
-            <p:cNvPr id="10" name="Rectangle 9">
-              <a:extLst>
-                <a:ext uri="{FF2B5EF4-FFF2-40B4-BE49-F238E27FC236}">
-                  <a16:creationId xmlns:a16="http://schemas.microsoft.com/office/drawing/2014/main" id="{0A3E508A-F723-C815-3B18-20D55085344E}"/>
-                </a:ext>
-              </a:extLst>
-            </p:cNvPr>
-            <p:cNvSpPr/>
-            <p:nvPr/>
-          </p:nvSpPr>
-          <p:spPr>
-            <a:xfrm>
-              <a:off x="2507465" y="199826"/>
-              <a:ext cx="4294135" cy="1386183"/>
-            </a:xfrm>
-            <a:prstGeom prst="rect">
-              <a:avLst/>
-            </a:prstGeom>
-            <a:solidFill>
-              <a:schemeClr val="accent4">
-                <a:lumMod val="20000"/>
-                <a:lumOff val="80000"/>
-              </a:schemeClr>
-            </a:solidFill>
-          </p:spPr>
-          <p:style>
-            <a:lnRef idx="2">
-              <a:schemeClr val="accent4">
-                <a:shade val="50000"/>
-              </a:schemeClr>
-            </a:lnRef>
-            <a:fillRef idx="1">
-              <a:schemeClr val="accent4"/>
-            </a:fillRef>
-            <a:effectRef idx="0">
-              <a:schemeClr val="accent4"/>
-            </a:effectRef>
-            <a:fontRef idx="minor">
-              <a:schemeClr val="lt1"/>
-            </a:fontRef>
-          </p:style>
-          <p:txBody>
-            <a:bodyPr rtlCol="0" anchor="ctr"/>
-            <a:lstStyle/>
-            <a:p>
-              <a:pPr algn="ctr"/>
-              <a:r>
-                <a:rPr lang="en-CH" sz="1200" b="1" i="1" dirty="0">
-                  <a:solidFill>
-                    <a:schemeClr val="tx1"/>
-                  </a:solidFill>
-                  <a:latin typeface="Garamond" panose="02020404030301010803" pitchFamily="18" charset="0"/>
-                </a:rPr>
-                <a:t>Amazonian statement</a:t>
-              </a:r>
-              <a:r>
-                <a:rPr lang="en-CH" sz="1200" b="1" i="1" baseline="-25000" dirty="0">
-                  <a:solidFill>
-                    <a:schemeClr val="tx1"/>
-                  </a:solidFill>
-                  <a:latin typeface="Garamond" panose="02020404030301010803" pitchFamily="18" charset="0"/>
-                </a:rPr>
-                <a:t>1</a:t>
-              </a:r>
-            </a:p>
-            <a:p>
-              <a:pPr algn="ctr"/>
-              <a:endParaRPr lang="en-CH" sz="1200" baseline="-25000" dirty="0">
-                <a:solidFill>
-                  <a:schemeClr val="tx1"/>
-                </a:solidFill>
-                <a:latin typeface="Garamond" panose="02020404030301010803" pitchFamily="18" charset="0"/>
-              </a:endParaRPr>
-            </a:p>
-            <a:p>
-              <a:pPr algn="ctr"/>
-              <a:r>
-                <a:rPr lang="en-GB" sz="1100" dirty="0">
-                  <a:solidFill>
-                    <a:schemeClr val="bg1">
-                      <a:lumMod val="65000"/>
-                    </a:schemeClr>
-                  </a:solidFill>
-                  <a:latin typeface="Garamond" panose="02020404030301010803" pitchFamily="18" charset="0"/>
-                </a:rPr>
-                <a:t>Congressman, the fundamental link for Brazil to really head in the direction to prosperity. I would like first, Hu </a:t>
-              </a:r>
-              <a:r>
-                <a:rPr lang="en-GB" sz="1100" dirty="0" err="1">
-                  <a:solidFill>
-                    <a:schemeClr val="bg1">
-                      <a:lumMod val="65000"/>
-                    </a:schemeClr>
-                  </a:solidFill>
-                  <a:latin typeface="Garamond" panose="02020404030301010803" pitchFamily="18" charset="0"/>
-                </a:rPr>
-                <a:t>Chunhua</a:t>
-              </a:r>
-              <a:r>
-                <a:rPr lang="en-GB" sz="1100" dirty="0">
-                  <a:solidFill>
-                    <a:schemeClr val="bg1">
-                      <a:lumMod val="65000"/>
-                    </a:schemeClr>
-                  </a:solidFill>
-                  <a:latin typeface="Garamond" panose="02020404030301010803" pitchFamily="18" charset="0"/>
-                </a:rPr>
-                <a:t>, to </a:t>
-              </a:r>
-              <a:r>
-                <a:rPr lang="en-GB" sz="1100" b="1" dirty="0">
-                  <a:solidFill>
-                    <a:schemeClr val="tx1"/>
-                  </a:solidFill>
-                  <a:latin typeface="Garamond" panose="02020404030301010803" pitchFamily="18" charset="0"/>
-                </a:rPr>
-                <a:t>thank you for the words of your ambassador to Brazil recognizing our sovereignty over the Amazonian region during that recent episode in the G7 meeting.</a:t>
-              </a:r>
-              <a:r>
-                <a:rPr lang="en-GB" sz="1100" b="1" dirty="0">
-                  <a:solidFill>
-                    <a:schemeClr val="bg1">
-                      <a:lumMod val="65000"/>
-                    </a:schemeClr>
-                  </a:solidFill>
-                  <a:latin typeface="Garamond" panose="02020404030301010803" pitchFamily="18" charset="0"/>
-                </a:rPr>
-                <a:t> </a:t>
-              </a:r>
-              <a:r>
-                <a:rPr lang="en-GB" sz="1100" dirty="0">
-                  <a:solidFill>
-                    <a:schemeClr val="bg1">
-                      <a:lumMod val="65000"/>
-                    </a:schemeClr>
-                  </a:solidFill>
-                  <a:latin typeface="Garamond" panose="02020404030301010803" pitchFamily="18" charset="0"/>
-                </a:rPr>
-                <a:t>I would like to thank the Chinese government. For us, this type of public acknowledgement is priceless in your words about this region that is so important to the world and to Brazil. (Bolsonaro, 25-10-2019)</a:t>
-              </a:r>
-            </a:p>
-          </p:txBody>
-        </p:sp>
-        <p:sp>
-          <p:nvSpPr>
-            <p:cNvPr id="11" name="Rectangle 10">
-              <a:extLst>
-                <a:ext uri="{FF2B5EF4-FFF2-40B4-BE49-F238E27FC236}">
-                  <a16:creationId xmlns:a16="http://schemas.microsoft.com/office/drawing/2014/main" id="{649FF39A-5804-7264-BE3B-20DF52872A38}"/>
-                </a:ext>
-              </a:extLst>
-            </p:cNvPr>
-            <p:cNvSpPr/>
-            <p:nvPr/>
-          </p:nvSpPr>
-          <p:spPr>
-            <a:xfrm>
-              <a:off x="2507465" y="1766455"/>
-              <a:ext cx="4294135" cy="1580632"/>
-            </a:xfrm>
-            <a:prstGeom prst="rect">
-              <a:avLst/>
-            </a:prstGeom>
-            <a:solidFill>
-              <a:schemeClr val="accent4">
-                <a:lumMod val="20000"/>
-                <a:lumOff val="80000"/>
-              </a:schemeClr>
-            </a:solidFill>
-          </p:spPr>
-          <p:style>
-            <a:lnRef idx="2">
-              <a:schemeClr val="accent4">
-                <a:shade val="50000"/>
-              </a:schemeClr>
-            </a:lnRef>
-            <a:fillRef idx="1">
-              <a:schemeClr val="accent4"/>
-            </a:fillRef>
-            <a:effectRef idx="0">
-              <a:schemeClr val="accent4"/>
-            </a:effectRef>
-            <a:fontRef idx="minor">
-              <a:schemeClr val="lt1"/>
-            </a:fontRef>
-          </p:style>
-          <p:txBody>
-            <a:bodyPr rtlCol="0" anchor="ctr"/>
-            <a:lstStyle/>
-            <a:p>
-              <a:pPr algn="ctr"/>
-              <a:r>
-                <a:rPr lang="en-CH" sz="1200" b="1" i="1" dirty="0">
-                  <a:solidFill>
-                    <a:schemeClr val="tx1"/>
-                  </a:solidFill>
-                  <a:latin typeface="Garamond" panose="02020404030301010803" pitchFamily="18" charset="0"/>
-                </a:rPr>
-                <a:t>Amazonian statement</a:t>
-              </a:r>
-              <a:r>
-                <a:rPr lang="en-CH" sz="1200" b="1" i="1" baseline="-25000" dirty="0">
-                  <a:solidFill>
-                    <a:schemeClr val="tx1"/>
-                  </a:solidFill>
-                  <a:latin typeface="Garamond" panose="02020404030301010803" pitchFamily="18" charset="0"/>
-                </a:rPr>
-                <a:t>2</a:t>
-              </a:r>
-            </a:p>
-            <a:p>
-              <a:pPr algn="ctr"/>
-              <a:endParaRPr lang="en-CH" sz="1200" baseline="-25000" dirty="0">
-                <a:solidFill>
-                  <a:schemeClr val="tx1"/>
-                </a:solidFill>
-                <a:latin typeface="Garamond" panose="02020404030301010803" pitchFamily="18" charset="0"/>
-              </a:endParaRPr>
-            </a:p>
-            <a:p>
-              <a:pPr algn="ctr"/>
-              <a:r>
-                <a:rPr lang="en-GB" sz="1100" dirty="0">
-                  <a:solidFill>
-                    <a:schemeClr val="bg1">
-                      <a:lumMod val="65000"/>
-                    </a:schemeClr>
-                  </a:solidFill>
-                  <a:latin typeface="Garamond" panose="02020404030301010803" pitchFamily="18" charset="0"/>
-                </a:rPr>
-                <a:t>If you allow me, in the Amazon - which for a long time stayed asleep due to the lack of coordinated actions - have already taken a few structuring actions. </a:t>
-              </a:r>
-              <a:r>
-                <a:rPr lang="en-GB" sz="1100" b="1" dirty="0">
-                  <a:solidFill>
-                    <a:schemeClr val="tx1"/>
-                  </a:solidFill>
-                  <a:latin typeface="Garamond" panose="02020404030301010803" pitchFamily="18" charset="0"/>
-                </a:rPr>
-                <a:t>We, in the Amazon, are connecting Manaus, Boa Vista, </a:t>
-              </a:r>
-              <a:r>
-                <a:rPr lang="en-GB" sz="1100" b="1" dirty="0" err="1">
-                  <a:solidFill>
-                    <a:schemeClr val="tx1"/>
-                  </a:solidFill>
-                  <a:latin typeface="Garamond" panose="02020404030301010803" pitchFamily="18" charset="0"/>
-                </a:rPr>
-                <a:t>Caracarai</a:t>
-              </a:r>
-              <a:r>
-                <a:rPr lang="en-GB" sz="1100" b="1" dirty="0">
-                  <a:solidFill>
-                    <a:schemeClr val="tx1"/>
-                  </a:solidFill>
-                  <a:latin typeface="Garamond" panose="02020404030301010803" pitchFamily="18" charset="0"/>
-                </a:rPr>
-                <a:t>, until up there, the red line [in a map] that goes all the way up in the direction of Venezuela, that is the so-called BR- 174 highway.</a:t>
-              </a:r>
-              <a:r>
-                <a:rPr lang="en-GB" sz="1100" dirty="0">
-                  <a:solidFill>
-                    <a:schemeClr val="tx1"/>
-                  </a:solidFill>
-                  <a:latin typeface="Garamond" panose="02020404030301010803" pitchFamily="18" charset="0"/>
-                </a:rPr>
-                <a:t> </a:t>
-              </a:r>
-              <a:r>
-                <a:rPr lang="en-GB" sz="1100" dirty="0">
-                  <a:solidFill>
-                    <a:schemeClr val="bg1">
-                      <a:lumMod val="65000"/>
-                    </a:schemeClr>
-                  </a:solidFill>
-                  <a:latin typeface="Garamond" panose="02020404030301010803" pitchFamily="18" charset="0"/>
-                </a:rPr>
-                <a:t>This highway will allow production in the Tax Free Zone in Manaus to be competitive, not within, but outside, that is the vocation of the the Tax Free Zone to export; and we can even do it through the Caribbean (Cardoso, 02-07-1997)</a:t>
-              </a:r>
-            </a:p>
-          </p:txBody>
-        </p:sp>
-        <p:sp>
-          <p:nvSpPr>
-            <p:cNvPr id="12" name="Rectangle 11">
-              <a:extLst>
-                <a:ext uri="{FF2B5EF4-FFF2-40B4-BE49-F238E27FC236}">
-                  <a16:creationId xmlns:a16="http://schemas.microsoft.com/office/drawing/2014/main" id="{845C0F3D-DB9E-8B4B-DD60-FA63E2C684C7}"/>
-                </a:ext>
-              </a:extLst>
-            </p:cNvPr>
-            <p:cNvSpPr/>
-            <p:nvPr/>
-          </p:nvSpPr>
-          <p:spPr>
-            <a:xfrm>
-              <a:off x="2493979" y="3527532"/>
-              <a:ext cx="4294134" cy="1227034"/>
-            </a:xfrm>
-            <a:prstGeom prst="rect">
-              <a:avLst/>
-            </a:prstGeom>
-            <a:solidFill>
-              <a:schemeClr val="accent2">
-                <a:lumMod val="20000"/>
-                <a:lumOff val="80000"/>
-              </a:schemeClr>
-            </a:solidFill>
-          </p:spPr>
-          <p:style>
-            <a:lnRef idx="3">
-              <a:schemeClr val="lt1"/>
-            </a:lnRef>
-            <a:fillRef idx="1">
-              <a:schemeClr val="accent2"/>
-            </a:fillRef>
-            <a:effectRef idx="1">
-              <a:schemeClr val="accent2"/>
-            </a:effectRef>
-            <a:fontRef idx="minor">
-              <a:schemeClr val="lt1"/>
-            </a:fontRef>
-          </p:style>
-          <p:txBody>
-            <a:bodyPr rtlCol="0" anchor="ctr"/>
-            <a:lstStyle/>
-            <a:p>
-              <a:pPr algn="ctr"/>
-              <a:r>
-                <a:rPr lang="en-CH" sz="1200" b="1" i="1" dirty="0">
-                  <a:solidFill>
-                    <a:schemeClr val="tx1"/>
-                  </a:solidFill>
-                  <a:latin typeface="Garamond" panose="02020404030301010803" pitchFamily="18" charset="0"/>
-                </a:rPr>
-                <a:t>Amazonian statement</a:t>
-              </a:r>
-              <a:r>
-                <a:rPr lang="en-CH" sz="1200" b="1" i="1" baseline="-25000" dirty="0">
-                  <a:solidFill>
-                    <a:schemeClr val="tx1"/>
-                  </a:solidFill>
-                  <a:latin typeface="Garamond" panose="02020404030301010803" pitchFamily="18" charset="0"/>
-                </a:rPr>
-                <a:t>3</a:t>
-              </a:r>
-            </a:p>
-            <a:p>
-              <a:pPr algn="ctr"/>
-              <a:endParaRPr lang="en-CH" sz="1200" baseline="-25000" dirty="0">
-                <a:solidFill>
-                  <a:schemeClr val="tx1"/>
-                </a:solidFill>
-                <a:latin typeface="Garamond" panose="02020404030301010803" pitchFamily="18" charset="0"/>
-              </a:endParaRPr>
-            </a:p>
-            <a:p>
-              <a:pPr algn="ctr"/>
-              <a:r>
-                <a:rPr lang="en-GB" sz="1100" dirty="0">
-                  <a:solidFill>
-                    <a:schemeClr val="bg1">
-                      <a:lumMod val="65000"/>
-                    </a:schemeClr>
-                  </a:solidFill>
-                  <a:latin typeface="Garamond" panose="02020404030301010803" pitchFamily="18" charset="0"/>
-                </a:rPr>
-                <a:t>Brazil is going to to Copenhagen with clear proposals. </a:t>
-              </a:r>
-              <a:r>
-                <a:rPr lang="en-GB" sz="1100" b="1" dirty="0">
-                  <a:solidFill>
-                    <a:schemeClr val="tx1"/>
-                  </a:solidFill>
-                  <a:latin typeface="Garamond" panose="02020404030301010803" pitchFamily="18" charset="0"/>
-                </a:rPr>
-                <a:t>Our current success in reducing deforestation</a:t>
-              </a:r>
-              <a:r>
-                <a:rPr lang="en-GB" sz="1100" b="1" dirty="0">
-                  <a:solidFill>
-                    <a:schemeClr val="bg1">
-                      <a:lumMod val="65000"/>
-                    </a:schemeClr>
-                  </a:solidFill>
-                  <a:latin typeface="Garamond" panose="02020404030301010803" pitchFamily="18" charset="0"/>
-                </a:rPr>
-                <a:t> </a:t>
-              </a:r>
-              <a:r>
-                <a:rPr lang="en-GB" sz="1100" dirty="0">
-                  <a:solidFill>
-                    <a:schemeClr val="bg1">
-                      <a:lumMod val="65000"/>
-                    </a:schemeClr>
-                  </a:solidFill>
-                  <a:latin typeface="Garamond" panose="02020404030301010803" pitchFamily="18" charset="0"/>
-                </a:rPr>
-                <a:t>give credibility to our goal of reducing it by 80% by 2020. The Amazonian countries are working to define a common position about climate change. </a:t>
-              </a:r>
-              <a:r>
-                <a:rPr lang="en-GB" sz="1100" b="1" dirty="0">
-                  <a:solidFill>
-                    <a:schemeClr val="tx1"/>
-                  </a:solidFill>
-                  <a:latin typeface="Garamond" panose="02020404030301010803" pitchFamily="18" charset="0"/>
-                </a:rPr>
-                <a:t>We want an a protected Amazon, but sovereign, under the control of the countries that integrate </a:t>
-              </a:r>
-              <a:r>
-                <a:rPr lang="en-GB" sz="1100" dirty="0">
-                  <a:solidFill>
-                    <a:schemeClr val="tx1"/>
-                  </a:solidFill>
-                  <a:latin typeface="Garamond" panose="02020404030301010803" pitchFamily="18" charset="0"/>
-                </a:rPr>
-                <a:t>it </a:t>
-              </a:r>
-              <a:r>
-                <a:rPr lang="en-GB" sz="1100" dirty="0">
-                  <a:solidFill>
-                    <a:schemeClr val="bg1">
-                      <a:lumMod val="65000"/>
-                    </a:schemeClr>
-                  </a:solidFill>
-                  <a:latin typeface="Garamond" panose="02020404030301010803" pitchFamily="18" charset="0"/>
-                </a:rPr>
-                <a:t>(Lula, 05-11-2009)</a:t>
-              </a:r>
-              <a:endParaRPr lang="en-CH" sz="1100" baseline="-25000" dirty="0">
-                <a:solidFill>
-                  <a:schemeClr val="bg1">
-                    <a:lumMod val="65000"/>
-                  </a:schemeClr>
-                </a:solidFill>
-                <a:latin typeface="Garamond" panose="02020404030301010803" pitchFamily="18" charset="0"/>
-              </a:endParaRPr>
-            </a:p>
-          </p:txBody>
-        </p:sp>
-        <p:cxnSp>
-          <p:nvCxnSpPr>
-            <p:cNvPr id="16" name="Straight Connector 15">
-              <a:extLst>
-                <a:ext uri="{FF2B5EF4-FFF2-40B4-BE49-F238E27FC236}">
-                  <a16:creationId xmlns:a16="http://schemas.microsoft.com/office/drawing/2014/main" id="{B79732D7-1AE1-635A-D5D8-4A30D93267E9}"/>
+                  <a16:creationId xmlns:a16="http://schemas.microsoft.com/office/drawing/2014/main" id="{BE517899-F473-7948-227B-52F8E7CE05B0}"/>
                 </a:ext>
               </a:extLst>
             </p:cNvPr>
             <p:cNvCxnSpPr>
               <a:cxnSpLocks/>
-              <a:stCxn id="4" idx="3"/>
-              <a:endCxn id="10" idx="1"/>
+              <a:stCxn id="190" idx="3"/>
             </p:cNvCxnSpPr>
             <p:nvPr/>
           </p:nvCxnSpPr>
           <p:spPr>
             <a:xfrm>
-              <a:off x="1393900" y="450089"/>
-              <a:ext cx="1113565" cy="442829"/>
+              <a:off x="1657251" y="2388105"/>
+              <a:ext cx="1320625" cy="236496"/>
             </a:xfrm>
             <a:prstGeom prst="line">
               <a:avLst/>
@@ -4035,1274 +5323,7 @@
             </a:fontRef>
           </p:style>
         </p:cxnSp>
-        <p:cxnSp>
-          <p:nvCxnSpPr>
-            <p:cNvPr id="20" name="Straight Connector 19">
-              <a:extLst>
-                <a:ext uri="{FF2B5EF4-FFF2-40B4-BE49-F238E27FC236}">
-                  <a16:creationId xmlns:a16="http://schemas.microsoft.com/office/drawing/2014/main" id="{EB9C7CB6-A22D-DC0E-4276-6B6F05148509}"/>
-                </a:ext>
-              </a:extLst>
-            </p:cNvPr>
-            <p:cNvCxnSpPr>
-              <a:cxnSpLocks/>
-              <a:stCxn id="6" idx="3"/>
-              <a:endCxn id="12" idx="1"/>
-            </p:cNvCxnSpPr>
-            <p:nvPr/>
-          </p:nvCxnSpPr>
-          <p:spPr>
-            <a:xfrm>
-              <a:off x="1393900" y="3202276"/>
-              <a:ext cx="1100079" cy="938774"/>
-            </a:xfrm>
-            <a:prstGeom prst="line">
-              <a:avLst/>
-            </a:prstGeom>
-            <a:ln w="19050">
-              <a:solidFill>
-                <a:schemeClr val="tx1"/>
-              </a:solidFill>
-              <a:prstDash val="lgDashDotDot"/>
-            </a:ln>
-          </p:spPr>
-          <p:style>
-            <a:lnRef idx="1">
-              <a:schemeClr val="accent1"/>
-            </a:lnRef>
-            <a:fillRef idx="0">
-              <a:schemeClr val="accent1"/>
-            </a:fillRef>
-            <a:effectRef idx="0">
-              <a:schemeClr val="accent1"/>
-            </a:effectRef>
-            <a:fontRef idx="minor">
-              <a:schemeClr val="tx1"/>
-            </a:fontRef>
-          </p:style>
-        </p:cxnSp>
-        <p:cxnSp>
-          <p:nvCxnSpPr>
-            <p:cNvPr id="37" name="Straight Connector 36">
-              <a:extLst>
-                <a:ext uri="{FF2B5EF4-FFF2-40B4-BE49-F238E27FC236}">
-                  <a16:creationId xmlns:a16="http://schemas.microsoft.com/office/drawing/2014/main" id="{A5E05873-77C7-286B-D18B-06F8AB922E5C}"/>
-                </a:ext>
-              </a:extLst>
-            </p:cNvPr>
-            <p:cNvCxnSpPr>
-              <a:cxnSpLocks/>
-              <a:stCxn id="11" idx="3"/>
-              <a:endCxn id="45" idx="1"/>
-            </p:cNvCxnSpPr>
-            <p:nvPr/>
-          </p:nvCxnSpPr>
-          <p:spPr>
-            <a:xfrm>
-              <a:off x="6801600" y="2556771"/>
-              <a:ext cx="1011301" cy="84542"/>
-            </a:xfrm>
-            <a:prstGeom prst="line">
-              <a:avLst/>
-            </a:prstGeom>
-            <a:ln w="19050">
-              <a:prstDash val="solid"/>
-            </a:ln>
-          </p:spPr>
-          <p:style>
-            <a:lnRef idx="1">
-              <a:schemeClr val="dk1"/>
-            </a:lnRef>
-            <a:fillRef idx="0">
-              <a:schemeClr val="dk1"/>
-            </a:fillRef>
-            <a:effectRef idx="0">
-              <a:schemeClr val="dk1"/>
-            </a:effectRef>
-            <a:fontRef idx="minor">
-              <a:schemeClr val="tx1"/>
-            </a:fontRef>
-          </p:style>
-        </p:cxnSp>
-        <p:cxnSp>
-          <p:nvCxnSpPr>
-            <p:cNvPr id="42" name="Straight Connector 41">
-              <a:extLst>
-                <a:ext uri="{FF2B5EF4-FFF2-40B4-BE49-F238E27FC236}">
-                  <a16:creationId xmlns:a16="http://schemas.microsoft.com/office/drawing/2014/main" id="{A4357272-3B79-D3C9-74D0-80118E5581AB}"/>
-                </a:ext>
-              </a:extLst>
-            </p:cNvPr>
-            <p:cNvCxnSpPr>
-              <a:cxnSpLocks/>
-              <a:stCxn id="12" idx="3"/>
-              <a:endCxn id="44" idx="1"/>
-            </p:cNvCxnSpPr>
-            <p:nvPr/>
-          </p:nvCxnSpPr>
-          <p:spPr>
-            <a:xfrm flipV="1">
-              <a:off x="6788113" y="1429674"/>
-              <a:ext cx="1024787" cy="2711375"/>
-            </a:xfrm>
-            <a:prstGeom prst="line">
-              <a:avLst/>
-            </a:prstGeom>
-            <a:ln w="19050">
-              <a:prstDash val="lgDashDotDot"/>
-            </a:ln>
-          </p:spPr>
-          <p:style>
-            <a:lnRef idx="1">
-              <a:schemeClr val="dk1"/>
-            </a:lnRef>
-            <a:fillRef idx="0">
-              <a:schemeClr val="dk1"/>
-            </a:fillRef>
-            <a:effectRef idx="0">
-              <a:schemeClr val="dk1"/>
-            </a:effectRef>
-            <a:fontRef idx="minor">
-              <a:schemeClr val="tx1"/>
-            </a:fontRef>
-          </p:style>
-        </p:cxnSp>
-        <p:sp>
-          <p:nvSpPr>
-            <p:cNvPr id="44" name="Rectangle 43">
-              <a:extLst>
-                <a:ext uri="{FF2B5EF4-FFF2-40B4-BE49-F238E27FC236}">
-                  <a16:creationId xmlns:a16="http://schemas.microsoft.com/office/drawing/2014/main" id="{B940671F-0330-1AA6-F0BA-11F4D42A7674}"/>
-                </a:ext>
-              </a:extLst>
-            </p:cNvPr>
-            <p:cNvSpPr/>
-            <p:nvPr/>
-          </p:nvSpPr>
-          <p:spPr>
-            <a:xfrm>
-              <a:off x="7812900" y="1179629"/>
-              <a:ext cx="1767623" cy="500092"/>
-            </a:xfrm>
-            <a:prstGeom prst="rect">
-              <a:avLst/>
-            </a:prstGeom>
-            <a:ln w="38100">
-              <a:solidFill>
-                <a:srgbClr val="FF0000"/>
-              </a:solidFill>
-            </a:ln>
-          </p:spPr>
-          <p:style>
-            <a:lnRef idx="2">
-              <a:schemeClr val="accent2"/>
-            </a:lnRef>
-            <a:fillRef idx="1">
-              <a:schemeClr val="lt1"/>
-            </a:fillRef>
-            <a:effectRef idx="0">
-              <a:schemeClr val="accent2"/>
-            </a:effectRef>
-            <a:fontRef idx="minor">
-              <a:schemeClr val="dk1"/>
-            </a:fontRef>
-          </p:style>
-          <p:txBody>
-            <a:bodyPr rtlCol="0" anchor="ctr"/>
-            <a:lstStyle/>
-            <a:p>
-              <a:pPr algn="ctr"/>
-              <a:r>
-                <a:rPr lang="en-CH" sz="1200" b="1" i="1" dirty="0">
-                  <a:solidFill>
-                    <a:sysClr val="windowText" lastClr="000000"/>
-                  </a:solidFill>
-                  <a:latin typeface="Garamond" panose="02020404030301010803" pitchFamily="18" charset="0"/>
-                </a:rPr>
-                <a:t>National Sovereignty</a:t>
-              </a:r>
-            </a:p>
-          </p:txBody>
-        </p:sp>
-        <p:sp>
-          <p:nvSpPr>
-            <p:cNvPr id="45" name="Rectangle 44">
-              <a:extLst>
-                <a:ext uri="{FF2B5EF4-FFF2-40B4-BE49-F238E27FC236}">
-                  <a16:creationId xmlns:a16="http://schemas.microsoft.com/office/drawing/2014/main" id="{CE8B56E2-B24E-6019-08EA-358CB9BF66E6}"/>
-                </a:ext>
-              </a:extLst>
-            </p:cNvPr>
-            <p:cNvSpPr/>
-            <p:nvPr/>
-          </p:nvSpPr>
-          <p:spPr>
-            <a:xfrm>
-              <a:off x="7812901" y="2391268"/>
-              <a:ext cx="1767623" cy="500092"/>
-            </a:xfrm>
-            <a:prstGeom prst="rect">
-              <a:avLst/>
-            </a:prstGeom>
-            <a:ln w="38100"/>
-          </p:spPr>
-          <p:style>
-            <a:lnRef idx="2">
-              <a:schemeClr val="accent1"/>
-            </a:lnRef>
-            <a:fillRef idx="1">
-              <a:schemeClr val="lt1"/>
-            </a:fillRef>
-            <a:effectRef idx="0">
-              <a:schemeClr val="accent1"/>
-            </a:effectRef>
-            <a:fontRef idx="minor">
-              <a:schemeClr val="dk1"/>
-            </a:fontRef>
-          </p:style>
-          <p:txBody>
-            <a:bodyPr rtlCol="0" anchor="ctr"/>
-            <a:lstStyle/>
-            <a:p>
-              <a:pPr algn="ctr"/>
-              <a:r>
-                <a:rPr lang="en-CH" sz="1200" b="1" i="1" dirty="0">
-                  <a:solidFill>
-                    <a:sysClr val="windowText" lastClr="000000"/>
-                  </a:solidFill>
-                  <a:latin typeface="Garamond" panose="02020404030301010803" pitchFamily="18" charset="0"/>
-                </a:rPr>
-                <a:t>Economic Integration</a:t>
-              </a:r>
-            </a:p>
-          </p:txBody>
-        </p:sp>
-        <p:sp>
-          <p:nvSpPr>
-            <p:cNvPr id="46" name="Rectangle 45">
-              <a:extLst>
-                <a:ext uri="{FF2B5EF4-FFF2-40B4-BE49-F238E27FC236}">
-                  <a16:creationId xmlns:a16="http://schemas.microsoft.com/office/drawing/2014/main" id="{AA43F0FC-2E91-C731-3DC8-085935324AE4}"/>
-                </a:ext>
-              </a:extLst>
-            </p:cNvPr>
-            <p:cNvSpPr/>
-            <p:nvPr/>
-          </p:nvSpPr>
-          <p:spPr>
-            <a:xfrm>
-              <a:off x="7848815" y="3774205"/>
-              <a:ext cx="1776614" cy="500092"/>
-            </a:xfrm>
-            <a:prstGeom prst="rect">
-              <a:avLst/>
-            </a:prstGeom>
-            <a:ln w="38100">
-              <a:solidFill>
-                <a:schemeClr val="accent2">
-                  <a:lumMod val="75000"/>
-                </a:schemeClr>
-              </a:solidFill>
-            </a:ln>
-          </p:spPr>
-          <p:style>
-            <a:lnRef idx="2">
-              <a:schemeClr val="dk1"/>
-            </a:lnRef>
-            <a:fillRef idx="1">
-              <a:schemeClr val="lt1"/>
-            </a:fillRef>
-            <a:effectRef idx="0">
-              <a:schemeClr val="dk1"/>
-            </a:effectRef>
-            <a:fontRef idx="minor">
-              <a:schemeClr val="dk1"/>
-            </a:fontRef>
-          </p:style>
-          <p:txBody>
-            <a:bodyPr rtlCol="0" anchor="ctr"/>
-            <a:lstStyle/>
-            <a:p>
-              <a:pPr algn="ctr"/>
-              <a:r>
-                <a:rPr lang="en-CH" sz="1200" b="1" i="1" dirty="0">
-                  <a:solidFill>
-                    <a:sysClr val="windowText" lastClr="000000"/>
-                  </a:solidFill>
-                  <a:latin typeface="Garamond" panose="02020404030301010803" pitchFamily="18" charset="0"/>
-                </a:rPr>
-                <a:t>Social Development</a:t>
-              </a:r>
-            </a:p>
-          </p:txBody>
-        </p:sp>
-        <p:sp>
-          <p:nvSpPr>
-            <p:cNvPr id="47" name="Rectangle 46">
-              <a:extLst>
-                <a:ext uri="{FF2B5EF4-FFF2-40B4-BE49-F238E27FC236}">
-                  <a16:creationId xmlns:a16="http://schemas.microsoft.com/office/drawing/2014/main" id="{E1418A34-24EA-1F60-7605-9EE423618DAD}"/>
-                </a:ext>
-              </a:extLst>
-            </p:cNvPr>
-            <p:cNvSpPr/>
-            <p:nvPr/>
-          </p:nvSpPr>
-          <p:spPr>
-            <a:xfrm>
-              <a:off x="7850244" y="5157142"/>
-              <a:ext cx="1776614" cy="500092"/>
-            </a:xfrm>
-            <a:prstGeom prst="rect">
-              <a:avLst/>
-            </a:prstGeom>
-            <a:ln w="38100"/>
-          </p:spPr>
-          <p:style>
-            <a:lnRef idx="2">
-              <a:schemeClr val="accent6"/>
-            </a:lnRef>
-            <a:fillRef idx="1">
-              <a:schemeClr val="lt1"/>
-            </a:fillRef>
-            <a:effectRef idx="0">
-              <a:schemeClr val="accent6"/>
-            </a:effectRef>
-            <a:fontRef idx="minor">
-              <a:schemeClr val="dk1"/>
-            </a:fontRef>
-          </p:style>
-          <p:txBody>
-            <a:bodyPr rtlCol="0" anchor="ctr"/>
-            <a:lstStyle/>
-            <a:p>
-              <a:pPr algn="ctr"/>
-              <a:r>
-                <a:rPr lang="en-CH" sz="1200" b="1" i="1" dirty="0">
-                  <a:solidFill>
-                    <a:sysClr val="windowText" lastClr="000000"/>
-                  </a:solidFill>
-                  <a:latin typeface="Garamond" panose="02020404030301010803" pitchFamily="18" charset="0"/>
-                </a:rPr>
-                <a:t>Environmental Conservation</a:t>
-              </a:r>
-            </a:p>
-          </p:txBody>
-        </p:sp>
-        <p:cxnSp>
-          <p:nvCxnSpPr>
-            <p:cNvPr id="50" name="Straight Connector 49">
-              <a:extLst>
-                <a:ext uri="{FF2B5EF4-FFF2-40B4-BE49-F238E27FC236}">
-                  <a16:creationId xmlns:a16="http://schemas.microsoft.com/office/drawing/2014/main" id="{C12FE130-A47D-44C5-396B-3777B6038210}"/>
-                </a:ext>
-              </a:extLst>
-            </p:cNvPr>
-            <p:cNvCxnSpPr>
-              <a:cxnSpLocks/>
-              <a:stCxn id="10" idx="3"/>
-              <a:endCxn id="44" idx="1"/>
-            </p:cNvCxnSpPr>
-            <p:nvPr/>
-          </p:nvCxnSpPr>
-          <p:spPr>
-            <a:xfrm>
-              <a:off x="6801600" y="892918"/>
-              <a:ext cx="1011300" cy="536756"/>
-            </a:xfrm>
-            <a:prstGeom prst="line">
-              <a:avLst/>
-            </a:prstGeom>
-            <a:ln w="19050">
-              <a:prstDash val="solid"/>
-            </a:ln>
-          </p:spPr>
-          <p:style>
-            <a:lnRef idx="1">
-              <a:schemeClr val="dk1"/>
-            </a:lnRef>
-            <a:fillRef idx="0">
-              <a:schemeClr val="dk1"/>
-            </a:fillRef>
-            <a:effectRef idx="0">
-              <a:schemeClr val="dk1"/>
-            </a:effectRef>
-            <a:fontRef idx="minor">
-              <a:schemeClr val="tx1"/>
-            </a:fontRef>
-          </p:style>
-        </p:cxnSp>
-        <p:cxnSp>
-          <p:nvCxnSpPr>
-            <p:cNvPr id="70" name="Straight Connector 69">
-              <a:extLst>
-                <a:ext uri="{FF2B5EF4-FFF2-40B4-BE49-F238E27FC236}">
-                  <a16:creationId xmlns:a16="http://schemas.microsoft.com/office/drawing/2014/main" id="{B207F496-261D-57DE-9AEE-4CA4CD8CC6B8}"/>
-                </a:ext>
-              </a:extLst>
-            </p:cNvPr>
-            <p:cNvCxnSpPr>
-              <a:cxnSpLocks/>
-              <a:stCxn id="12" idx="3"/>
-              <a:endCxn id="47" idx="1"/>
-            </p:cNvCxnSpPr>
-            <p:nvPr/>
-          </p:nvCxnSpPr>
-          <p:spPr>
-            <a:xfrm>
-              <a:off x="6788113" y="4141049"/>
-              <a:ext cx="1062131" cy="1266139"/>
-            </a:xfrm>
-            <a:prstGeom prst="line">
-              <a:avLst/>
-            </a:prstGeom>
-            <a:ln w="19050">
-              <a:prstDash val="lgDashDotDot"/>
-            </a:ln>
-          </p:spPr>
-          <p:style>
-            <a:lnRef idx="1">
-              <a:schemeClr val="dk1"/>
-            </a:lnRef>
-            <a:fillRef idx="0">
-              <a:schemeClr val="dk1"/>
-            </a:fillRef>
-            <a:effectRef idx="0">
-              <a:schemeClr val="dk1"/>
-            </a:effectRef>
-            <a:fontRef idx="minor">
-              <a:schemeClr val="tx1"/>
-            </a:fontRef>
-          </p:style>
-        </p:cxnSp>
-        <p:sp>
-          <p:nvSpPr>
-            <p:cNvPr id="60" name="Rectangle 59">
-              <a:extLst>
-                <a:ext uri="{FF2B5EF4-FFF2-40B4-BE49-F238E27FC236}">
-                  <a16:creationId xmlns:a16="http://schemas.microsoft.com/office/drawing/2014/main" id="{46C36AFF-8E9A-418D-6789-22A7A7697322}"/>
-                </a:ext>
-              </a:extLst>
-            </p:cNvPr>
-            <p:cNvSpPr/>
-            <p:nvPr/>
-          </p:nvSpPr>
-          <p:spPr>
-            <a:xfrm>
-              <a:off x="336975" y="3923939"/>
-              <a:ext cx="1060337" cy="412919"/>
-            </a:xfrm>
-            <a:prstGeom prst="rect">
-              <a:avLst/>
-            </a:prstGeom>
-            <a:solidFill>
-              <a:schemeClr val="bg1">
-                <a:lumMod val="85000"/>
-              </a:schemeClr>
-            </a:solidFill>
-          </p:spPr>
-          <p:style>
-            <a:lnRef idx="2">
-              <a:schemeClr val="dk1"/>
-            </a:lnRef>
-            <a:fillRef idx="1">
-              <a:schemeClr val="lt1"/>
-            </a:fillRef>
-            <a:effectRef idx="0">
-              <a:schemeClr val="dk1"/>
-            </a:effectRef>
-            <a:fontRef idx="minor">
-              <a:schemeClr val="dk1"/>
-            </a:fontRef>
-          </p:style>
-          <p:txBody>
-            <a:bodyPr rtlCol="0" anchor="ctr"/>
-            <a:lstStyle/>
-            <a:p>
-              <a:pPr algn="ctr"/>
-              <a:r>
-                <a:rPr lang="en-CH" sz="1200" b="1" dirty="0">
-                  <a:latin typeface="Garamond" panose="02020404030301010803" pitchFamily="18" charset="0"/>
-                </a:rPr>
-                <a:t>Speech</a:t>
-              </a:r>
-              <a:r>
-                <a:rPr lang="en-CH" sz="1200" b="1" baseline="-25000" dirty="0">
-                  <a:latin typeface="Garamond" panose="02020404030301010803" pitchFamily="18" charset="0"/>
-                </a:rPr>
-                <a:t>5</a:t>
-              </a:r>
-              <a:endParaRPr lang="en-CH" sz="1400" b="1" baseline="-25000" dirty="0">
-                <a:latin typeface="Garamond" panose="02020404030301010803" pitchFamily="18" charset="0"/>
-              </a:endParaRPr>
-            </a:p>
-          </p:txBody>
-        </p:sp>
-        <p:sp>
-          <p:nvSpPr>
-            <p:cNvPr id="69" name="Rectangle 68">
-              <a:extLst>
-                <a:ext uri="{FF2B5EF4-FFF2-40B4-BE49-F238E27FC236}">
-                  <a16:creationId xmlns:a16="http://schemas.microsoft.com/office/drawing/2014/main" id="{C08C475E-2EE3-3E97-7B36-EDF28E9AFB22}"/>
-                </a:ext>
-              </a:extLst>
-            </p:cNvPr>
-            <p:cNvSpPr/>
-            <p:nvPr/>
-          </p:nvSpPr>
-          <p:spPr>
-            <a:xfrm>
-              <a:off x="2498474" y="4935012"/>
-              <a:ext cx="4303124" cy="1444445"/>
-            </a:xfrm>
-            <a:prstGeom prst="rect">
-              <a:avLst/>
-            </a:prstGeom>
-            <a:solidFill>
-              <a:schemeClr val="accent2">
-                <a:lumMod val="20000"/>
-                <a:lumOff val="80000"/>
-              </a:schemeClr>
-            </a:solidFill>
-          </p:spPr>
-          <p:style>
-            <a:lnRef idx="3">
-              <a:schemeClr val="lt1"/>
-            </a:lnRef>
-            <a:fillRef idx="1">
-              <a:schemeClr val="accent2"/>
-            </a:fillRef>
-            <a:effectRef idx="1">
-              <a:schemeClr val="accent2"/>
-            </a:effectRef>
-            <a:fontRef idx="minor">
-              <a:schemeClr val="lt1"/>
-            </a:fontRef>
-          </p:style>
-          <p:txBody>
-            <a:bodyPr rtlCol="0" anchor="ctr"/>
-            <a:lstStyle/>
-            <a:p>
-              <a:pPr algn="ctr"/>
-              <a:r>
-                <a:rPr lang="en-CH" sz="1200" b="1" i="1" dirty="0">
-                  <a:solidFill>
-                    <a:schemeClr val="tx1"/>
-                  </a:solidFill>
-                  <a:latin typeface="Garamond" panose="02020404030301010803" pitchFamily="18" charset="0"/>
-                </a:rPr>
-                <a:t>Amazonian statement</a:t>
-              </a:r>
-              <a:r>
-                <a:rPr lang="en-CH" sz="1200" b="1" i="1" baseline="-25000" dirty="0">
-                  <a:solidFill>
-                    <a:schemeClr val="tx1"/>
-                  </a:solidFill>
-                  <a:latin typeface="Garamond" panose="02020404030301010803" pitchFamily="18" charset="0"/>
-                </a:rPr>
-                <a:t>4</a:t>
-              </a:r>
-            </a:p>
-            <a:p>
-              <a:pPr algn="ctr"/>
-              <a:endParaRPr lang="en-CH" sz="1200" baseline="-25000" dirty="0">
-                <a:solidFill>
-                  <a:schemeClr val="tx1"/>
-                </a:solidFill>
-                <a:latin typeface="Garamond" panose="02020404030301010803" pitchFamily="18" charset="0"/>
-              </a:endParaRPr>
-            </a:p>
-            <a:p>
-              <a:pPr algn="ctr"/>
-              <a:r>
-                <a:rPr lang="en-GB" sz="1100" dirty="0">
-                  <a:solidFill>
-                    <a:schemeClr val="bg1">
-                      <a:lumMod val="65000"/>
-                    </a:schemeClr>
-                  </a:solidFill>
-                  <a:latin typeface="Garamond" panose="02020404030301010803" pitchFamily="18" charset="0"/>
-                </a:rPr>
-                <a:t>I also want to reaffirm our continued commitment to reducing regional imbalances, boosting transversal policies and infrastructure projects, especially in the Northeast and in the Amazon region. It was important that we soften the impact of the long and prolonged drought in the northeast semi-arid region, </a:t>
-              </a:r>
-              <a:r>
-                <a:rPr lang="en-GB" sz="1100" b="1" dirty="0">
-                  <a:solidFill>
-                    <a:schemeClr val="tx1"/>
-                  </a:solidFill>
-                  <a:latin typeface="Garamond" panose="02020404030301010803" pitchFamily="18" charset="0"/>
-                </a:rPr>
-                <a:t>but even more important will be the completion of the new, transformative infrastructure for our water resources</a:t>
-              </a:r>
-              <a:r>
-                <a:rPr lang="en-GB" sz="1100" dirty="0">
-                  <a:solidFill>
-                    <a:schemeClr val="tx1"/>
-                  </a:solidFill>
-                  <a:latin typeface="Garamond" panose="02020404030301010803" pitchFamily="18" charset="0"/>
-                </a:rPr>
-                <a:t>, </a:t>
-              </a:r>
-              <a:r>
-                <a:rPr lang="en-GB" sz="1100" dirty="0">
-                  <a:solidFill>
-                    <a:schemeClr val="bg1">
-                      <a:lumMod val="65000"/>
-                    </a:schemeClr>
-                  </a:solidFill>
-                  <a:latin typeface="Garamond" panose="02020404030301010803" pitchFamily="18" charset="0"/>
-                </a:rPr>
-                <a:t>protecting more than than 1,000 km of rivers, </a:t>
-              </a:r>
-              <a:r>
-                <a:rPr lang="en-GB" sz="1100" b="1" dirty="0">
-                  <a:solidFill>
-                    <a:schemeClr val="tx1"/>
-                  </a:solidFill>
-                  <a:latin typeface="Garamond" panose="02020404030301010803" pitchFamily="18" charset="0"/>
-                </a:rPr>
-                <a:t>combined with the important social investment more  than one million water</a:t>
-              </a:r>
-              <a:r>
-                <a:rPr lang="en-GB" sz="1100" b="1" dirty="0">
-                  <a:solidFill>
-                    <a:schemeClr val="bg1">
-                      <a:lumMod val="65000"/>
-                    </a:schemeClr>
-                  </a:solidFill>
-                  <a:latin typeface="Garamond" panose="02020404030301010803" pitchFamily="18" charset="0"/>
-                </a:rPr>
-                <a:t> </a:t>
-              </a:r>
-              <a:r>
-                <a:rPr lang="en-GB" sz="1100" b="1" dirty="0">
-                  <a:solidFill>
-                    <a:schemeClr val="tx1"/>
-                  </a:solidFill>
-                  <a:latin typeface="Garamond" panose="02020404030301010803" pitchFamily="18" charset="0"/>
-                </a:rPr>
-                <a:t>tanks</a:t>
-              </a:r>
-              <a:r>
-                <a:rPr lang="en-GB" sz="1100" dirty="0">
-                  <a:solidFill>
-                    <a:schemeClr val="bg1">
-                      <a:lumMod val="65000"/>
-                    </a:schemeClr>
-                  </a:solidFill>
-                  <a:latin typeface="Garamond" panose="02020404030301010803" pitchFamily="18" charset="0"/>
-                </a:rPr>
-                <a:t>. (</a:t>
-              </a:r>
-              <a:r>
-                <a:rPr lang="en-GB" sz="1100" dirty="0" err="1">
-                  <a:solidFill>
-                    <a:schemeClr val="bg1">
-                      <a:lumMod val="65000"/>
-                    </a:schemeClr>
-                  </a:solidFill>
-                  <a:latin typeface="Garamond" panose="02020404030301010803" pitchFamily="18" charset="0"/>
-                </a:rPr>
-                <a:t>Roussef</a:t>
-              </a:r>
-              <a:r>
-                <a:rPr lang="en-GB" sz="1100" dirty="0">
-                  <a:solidFill>
-                    <a:schemeClr val="bg1">
-                      <a:lumMod val="65000"/>
-                    </a:schemeClr>
-                  </a:solidFill>
-                  <a:latin typeface="Garamond" panose="02020404030301010803" pitchFamily="18" charset="0"/>
-                </a:rPr>
-                <a:t>, 01-01-2015)</a:t>
-              </a:r>
-              <a:endParaRPr lang="en-CH" sz="1100" baseline="-25000" dirty="0">
-                <a:solidFill>
-                  <a:schemeClr val="bg1">
-                    <a:lumMod val="65000"/>
-                  </a:schemeClr>
-                </a:solidFill>
-              </a:endParaRPr>
-            </a:p>
-          </p:txBody>
-        </p:sp>
-        <p:cxnSp>
-          <p:nvCxnSpPr>
-            <p:cNvPr id="73" name="Straight Connector 72">
-              <a:extLst>
-                <a:ext uri="{FF2B5EF4-FFF2-40B4-BE49-F238E27FC236}">
-                  <a16:creationId xmlns:a16="http://schemas.microsoft.com/office/drawing/2014/main" id="{891605BC-2F6D-BF37-F4B1-D7A1EA780393}"/>
-                </a:ext>
-              </a:extLst>
-            </p:cNvPr>
-            <p:cNvCxnSpPr>
-              <a:cxnSpLocks/>
-              <a:stCxn id="60" idx="3"/>
-              <a:endCxn id="69" idx="1"/>
-            </p:cNvCxnSpPr>
-            <p:nvPr/>
-          </p:nvCxnSpPr>
-          <p:spPr>
-            <a:xfrm>
-              <a:off x="1397312" y="4130398"/>
-              <a:ext cx="1101162" cy="1526836"/>
-            </a:xfrm>
-            <a:prstGeom prst="line">
-              <a:avLst/>
-            </a:prstGeom>
-            <a:ln w="19050">
-              <a:solidFill>
-                <a:schemeClr val="tx1"/>
-              </a:solidFill>
-              <a:prstDash val="lgDashDotDot"/>
-            </a:ln>
-          </p:spPr>
-          <p:style>
-            <a:lnRef idx="1">
-              <a:schemeClr val="accent1"/>
-            </a:lnRef>
-            <a:fillRef idx="0">
-              <a:schemeClr val="accent1"/>
-            </a:fillRef>
-            <a:effectRef idx="0">
-              <a:schemeClr val="accent1"/>
-            </a:effectRef>
-            <a:fontRef idx="minor">
-              <a:schemeClr val="tx1"/>
-            </a:fontRef>
-          </p:style>
-        </p:cxnSp>
-        <p:cxnSp>
-          <p:nvCxnSpPr>
-            <p:cNvPr id="77" name="Straight Connector 76">
-              <a:extLst>
-                <a:ext uri="{FF2B5EF4-FFF2-40B4-BE49-F238E27FC236}">
-                  <a16:creationId xmlns:a16="http://schemas.microsoft.com/office/drawing/2014/main" id="{9CCE61D8-BB85-82F4-B51A-1CB2398D52E7}"/>
-                </a:ext>
-              </a:extLst>
-            </p:cNvPr>
-            <p:cNvCxnSpPr>
-              <a:cxnSpLocks/>
-              <a:stCxn id="69" idx="3"/>
-              <a:endCxn id="45" idx="1"/>
-            </p:cNvCxnSpPr>
-            <p:nvPr/>
-          </p:nvCxnSpPr>
-          <p:spPr>
-            <a:xfrm flipV="1">
-              <a:off x="6801598" y="2641314"/>
-              <a:ext cx="1011302" cy="3015921"/>
-            </a:xfrm>
-            <a:prstGeom prst="line">
-              <a:avLst/>
-            </a:prstGeom>
-            <a:ln w="19050">
-              <a:prstDash val="lgDashDotDot"/>
-            </a:ln>
-          </p:spPr>
-          <p:style>
-            <a:lnRef idx="1">
-              <a:schemeClr val="dk1"/>
-            </a:lnRef>
-            <a:fillRef idx="0">
-              <a:schemeClr val="dk1"/>
-            </a:fillRef>
-            <a:effectRef idx="0">
-              <a:schemeClr val="dk1"/>
-            </a:effectRef>
-            <a:fontRef idx="minor">
-              <a:schemeClr val="tx1"/>
-            </a:fontRef>
-          </p:style>
-        </p:cxnSp>
-        <p:cxnSp>
-          <p:nvCxnSpPr>
-            <p:cNvPr id="81" name="Straight Connector 80">
-              <a:extLst>
-                <a:ext uri="{FF2B5EF4-FFF2-40B4-BE49-F238E27FC236}">
-                  <a16:creationId xmlns:a16="http://schemas.microsoft.com/office/drawing/2014/main" id="{4006D1E8-8164-E48A-CB7D-08FC3A472A24}"/>
-                </a:ext>
-              </a:extLst>
-            </p:cNvPr>
-            <p:cNvCxnSpPr>
-              <a:cxnSpLocks/>
-              <a:stCxn id="69" idx="3"/>
-              <a:endCxn id="46" idx="1"/>
-            </p:cNvCxnSpPr>
-            <p:nvPr/>
-          </p:nvCxnSpPr>
-          <p:spPr>
-            <a:xfrm flipV="1">
-              <a:off x="6801598" y="4024251"/>
-              <a:ext cx="1047217" cy="1632984"/>
-            </a:xfrm>
-            <a:prstGeom prst="line">
-              <a:avLst/>
-            </a:prstGeom>
-            <a:ln w="19050">
-              <a:prstDash val="lgDashDotDot"/>
-            </a:ln>
-          </p:spPr>
-          <p:style>
-            <a:lnRef idx="1">
-              <a:schemeClr val="dk1"/>
-            </a:lnRef>
-            <a:fillRef idx="0">
-              <a:schemeClr val="dk1"/>
-            </a:fillRef>
-            <a:effectRef idx="0">
-              <a:schemeClr val="dk1"/>
-            </a:effectRef>
-            <a:fontRef idx="minor">
-              <a:schemeClr val="tx1"/>
-            </a:fontRef>
-          </p:style>
-        </p:cxnSp>
-        <p:sp>
-          <p:nvSpPr>
-            <p:cNvPr id="31" name="Rectangle 30">
-              <a:extLst>
-                <a:ext uri="{FF2B5EF4-FFF2-40B4-BE49-F238E27FC236}">
-                  <a16:creationId xmlns:a16="http://schemas.microsoft.com/office/drawing/2014/main" id="{CAF0FBB4-03F7-B34D-A8FA-3028C7E76C3C}"/>
-                </a:ext>
-              </a:extLst>
-            </p:cNvPr>
-            <p:cNvSpPr/>
-            <p:nvPr/>
-          </p:nvSpPr>
-          <p:spPr>
-            <a:xfrm>
-              <a:off x="333563" y="1156641"/>
-              <a:ext cx="1060337" cy="412919"/>
-            </a:xfrm>
-            <a:prstGeom prst="rect">
-              <a:avLst/>
-            </a:prstGeom>
-            <a:solidFill>
-              <a:schemeClr val="bg1">
-                <a:lumMod val="85000"/>
-              </a:schemeClr>
-            </a:solidFill>
-          </p:spPr>
-          <p:style>
-            <a:lnRef idx="2">
-              <a:schemeClr val="dk1"/>
-            </a:lnRef>
-            <a:fillRef idx="1">
-              <a:schemeClr val="lt1"/>
-            </a:fillRef>
-            <a:effectRef idx="0">
-              <a:schemeClr val="dk1"/>
-            </a:effectRef>
-            <a:fontRef idx="minor">
-              <a:schemeClr val="dk1"/>
-            </a:fontRef>
-          </p:style>
-          <p:txBody>
-            <a:bodyPr rtlCol="0" anchor="ctr"/>
-            <a:lstStyle/>
-            <a:p>
-              <a:pPr algn="ctr"/>
-              <a:r>
-                <a:rPr lang="en-CH" sz="1200" b="1" dirty="0">
-                  <a:latin typeface="Garamond" panose="02020404030301010803" pitchFamily="18" charset="0"/>
-                </a:rPr>
-                <a:t>Speech</a:t>
-              </a:r>
-              <a:r>
-                <a:rPr lang="en-CH" sz="1200" b="1" baseline="-25000" dirty="0">
-                  <a:latin typeface="Garamond" panose="02020404030301010803" pitchFamily="18" charset="0"/>
-                </a:rPr>
-                <a:t>2</a:t>
-              </a:r>
-            </a:p>
-          </p:txBody>
-        </p:sp>
-        <p:sp>
-          <p:nvSpPr>
-            <p:cNvPr id="2" name="TextBox 1">
-              <a:extLst>
-                <a:ext uri="{FF2B5EF4-FFF2-40B4-BE49-F238E27FC236}">
-                  <a16:creationId xmlns:a16="http://schemas.microsoft.com/office/drawing/2014/main" id="{3692F934-BDF4-A324-19DA-3FAD3BFF75EA}"/>
-                </a:ext>
-              </a:extLst>
-            </p:cNvPr>
-            <p:cNvSpPr txBox="1"/>
-            <p:nvPr/>
-          </p:nvSpPr>
-          <p:spPr>
-            <a:xfrm>
-              <a:off x="590191" y="5467548"/>
-              <a:ext cx="573340" cy="267953"/>
-            </a:xfrm>
-            <a:prstGeom prst="rect">
-              <a:avLst/>
-            </a:prstGeom>
-            <a:noFill/>
-          </p:spPr>
-          <p:txBody>
-            <a:bodyPr wrap="square" rtlCol="0">
-              <a:spAutoFit/>
-            </a:bodyPr>
-            <a:lstStyle/>
-            <a:p>
-              <a:r>
-                <a:rPr lang="en-CH" sz="1200" dirty="0">
-                  <a:latin typeface="Garamond" panose="02020404030301010803" pitchFamily="18" charset="0"/>
-                </a:rPr>
-                <a:t>Legend</a:t>
-              </a:r>
-              <a:r>
-                <a:rPr lang="en-CH" sz="1200" dirty="0"/>
-                <a:t>:</a:t>
-              </a:r>
-            </a:p>
-          </p:txBody>
-        </p:sp>
-        <p:sp>
-          <p:nvSpPr>
-            <p:cNvPr id="32" name="Rectangle 31">
-              <a:extLst>
-                <a:ext uri="{FF2B5EF4-FFF2-40B4-BE49-F238E27FC236}">
-                  <a16:creationId xmlns:a16="http://schemas.microsoft.com/office/drawing/2014/main" id="{7B92F540-5C5C-E96D-8892-0703CACE8EFB}"/>
-                </a:ext>
-              </a:extLst>
-            </p:cNvPr>
-            <p:cNvSpPr/>
-            <p:nvPr/>
-          </p:nvSpPr>
-          <p:spPr>
-            <a:xfrm>
-              <a:off x="457963" y="5733731"/>
-              <a:ext cx="805234" cy="264982"/>
-            </a:xfrm>
-            <a:prstGeom prst="rect">
-              <a:avLst/>
-            </a:prstGeom>
-            <a:solidFill>
-              <a:schemeClr val="accent4">
-                <a:lumMod val="20000"/>
-                <a:lumOff val="80000"/>
-              </a:schemeClr>
-            </a:solidFill>
-          </p:spPr>
-          <p:style>
-            <a:lnRef idx="2">
-              <a:schemeClr val="accent4">
-                <a:shade val="50000"/>
-              </a:schemeClr>
-            </a:lnRef>
-            <a:fillRef idx="1">
-              <a:schemeClr val="accent4"/>
-            </a:fillRef>
-            <a:effectRef idx="0">
-              <a:schemeClr val="accent4"/>
-            </a:effectRef>
-            <a:fontRef idx="minor">
-              <a:schemeClr val="lt1"/>
-            </a:fontRef>
-          </p:style>
-          <p:txBody>
-            <a:bodyPr rtlCol="0" anchor="ctr"/>
-            <a:lstStyle/>
-            <a:p>
-              <a:pPr algn="ctr"/>
-              <a:r>
-                <a:rPr lang="en-CH" sz="1200" dirty="0">
-                  <a:solidFill>
-                    <a:schemeClr val="tx1"/>
-                  </a:solidFill>
-                  <a:latin typeface="Garamond" panose="02020404030301010803" pitchFamily="18" charset="0"/>
-                </a:rPr>
-                <a:t>Pure-types</a:t>
-              </a:r>
-              <a:endParaRPr lang="en-CH" sz="1200" baseline="-25000" dirty="0">
-                <a:solidFill>
-                  <a:schemeClr val="tx1"/>
-                </a:solidFill>
-                <a:latin typeface="Garamond" panose="02020404030301010803" pitchFamily="18" charset="0"/>
-              </a:endParaRPr>
-            </a:p>
-          </p:txBody>
-        </p:sp>
-        <p:sp>
-          <p:nvSpPr>
-            <p:cNvPr id="33" name="Rectangle 32">
-              <a:extLst>
-                <a:ext uri="{FF2B5EF4-FFF2-40B4-BE49-F238E27FC236}">
-                  <a16:creationId xmlns:a16="http://schemas.microsoft.com/office/drawing/2014/main" id="{BC85E3AD-321C-62D5-197C-A02B20F10B95}"/>
-                </a:ext>
-              </a:extLst>
-            </p:cNvPr>
-            <p:cNvSpPr/>
-            <p:nvPr/>
-          </p:nvSpPr>
-          <p:spPr>
-            <a:xfrm>
-              <a:off x="457963" y="6047097"/>
-              <a:ext cx="805234" cy="264982"/>
-            </a:xfrm>
-            <a:prstGeom prst="rect">
-              <a:avLst/>
-            </a:prstGeom>
-            <a:solidFill>
-              <a:schemeClr val="accent2">
-                <a:lumMod val="20000"/>
-                <a:lumOff val="80000"/>
-              </a:schemeClr>
-            </a:solidFill>
-          </p:spPr>
-          <p:style>
-            <a:lnRef idx="3">
-              <a:schemeClr val="lt1"/>
-            </a:lnRef>
-            <a:fillRef idx="1">
-              <a:schemeClr val="accent2"/>
-            </a:fillRef>
-            <a:effectRef idx="1">
-              <a:schemeClr val="accent2"/>
-            </a:effectRef>
-            <a:fontRef idx="minor">
-              <a:schemeClr val="lt1"/>
-            </a:fontRef>
-          </p:style>
-          <p:txBody>
-            <a:bodyPr rtlCol="0" anchor="ctr"/>
-            <a:lstStyle/>
-            <a:p>
-              <a:pPr algn="ctr"/>
-              <a:r>
-                <a:rPr lang="en-CH" sz="1200" dirty="0">
-                  <a:solidFill>
-                    <a:schemeClr val="tx1"/>
-                  </a:solidFill>
-                  <a:latin typeface="Garamond" panose="02020404030301010803" pitchFamily="18" charset="0"/>
-                </a:rPr>
-                <a:t>Mixed-types</a:t>
-              </a:r>
-              <a:endParaRPr lang="en-CH" sz="1200" baseline="-25000" dirty="0">
-                <a:solidFill>
-                  <a:schemeClr val="tx1"/>
-                </a:solidFill>
-                <a:latin typeface="Garamond" panose="02020404030301010803" pitchFamily="18" charset="0"/>
-              </a:endParaRPr>
-            </a:p>
-          </p:txBody>
-        </p:sp>
       </p:grpSp>
-      <p:sp>
-        <p:nvSpPr>
-          <p:cNvPr id="40" name="Rectangle 39">
-            <a:extLst>
-              <a:ext uri="{FF2B5EF4-FFF2-40B4-BE49-F238E27FC236}">
-                <a16:creationId xmlns:a16="http://schemas.microsoft.com/office/drawing/2014/main" id="{9740A285-D1EE-3D1B-1FB8-6359214A6135}"/>
-              </a:ext>
-            </a:extLst>
-          </p:cNvPr>
-          <p:cNvSpPr/>
-          <p:nvPr/>
-        </p:nvSpPr>
-        <p:spPr>
-          <a:xfrm>
-            <a:off x="361488" y="5125442"/>
-            <a:ext cx="1312008" cy="439252"/>
-          </a:xfrm>
-          <a:prstGeom prst="rect">
-            <a:avLst/>
-          </a:prstGeom>
-          <a:solidFill>
-            <a:schemeClr val="bg1">
-              <a:lumMod val="85000"/>
-            </a:schemeClr>
-          </a:solidFill>
-        </p:spPr>
-        <p:style>
-          <a:lnRef idx="2">
-            <a:schemeClr val="dk1"/>
-          </a:lnRef>
-          <a:fillRef idx="1">
-            <a:schemeClr val="lt1"/>
-          </a:fillRef>
-          <a:effectRef idx="0">
-            <a:schemeClr val="dk1"/>
-          </a:effectRef>
-          <a:fontRef idx="minor">
-            <a:schemeClr val="dk1"/>
-          </a:fontRef>
-        </p:style>
-        <p:txBody>
-          <a:bodyPr rtlCol="0" anchor="ctr"/>
-          <a:lstStyle/>
-          <a:p>
-            <a:pPr algn="ctr"/>
-            <a:r>
-              <a:rPr lang="en-CH" sz="1400" b="1" dirty="0">
-                <a:latin typeface="Garamond" panose="02020404030301010803" pitchFamily="18" charset="0"/>
-              </a:rPr>
-              <a:t>Speech</a:t>
-            </a:r>
-            <a:r>
-              <a:rPr lang="en-CH" sz="1400" b="1" baseline="-25000" dirty="0">
-                <a:latin typeface="Garamond" panose="02020404030301010803" pitchFamily="18" charset="0"/>
-              </a:rPr>
-              <a:t>6130</a:t>
-            </a:r>
-          </a:p>
-        </p:txBody>
-      </p:sp>
-      <p:cxnSp>
-        <p:nvCxnSpPr>
-          <p:cNvPr id="41" name="Straight Connector 40">
-            <a:extLst>
-              <a:ext uri="{FF2B5EF4-FFF2-40B4-BE49-F238E27FC236}">
-                <a16:creationId xmlns:a16="http://schemas.microsoft.com/office/drawing/2014/main" id="{6D1BB8CB-6E79-9B30-E462-8573C70A16CB}"/>
-              </a:ext>
-            </a:extLst>
-          </p:cNvPr>
-          <p:cNvCxnSpPr>
-            <a:cxnSpLocks/>
-            <a:stCxn id="60" idx="2"/>
-          </p:cNvCxnSpPr>
-          <p:nvPr/>
-        </p:nvCxnSpPr>
-        <p:spPr>
-          <a:xfrm flipH="1">
-            <a:off x="997347" y="4580272"/>
-            <a:ext cx="8122" cy="545170"/>
-          </a:xfrm>
-          <a:prstGeom prst="line">
-            <a:avLst/>
-          </a:prstGeom>
-          <a:ln w="19050" cmpd="sng">
-            <a:solidFill>
-              <a:schemeClr val="tx1"/>
-            </a:solidFill>
-            <a:prstDash val="sysDot"/>
-          </a:ln>
-        </p:spPr>
-        <p:style>
-          <a:lnRef idx="1">
-            <a:schemeClr val="accent1"/>
-          </a:lnRef>
-          <a:fillRef idx="0">
-            <a:schemeClr val="accent1"/>
-          </a:fillRef>
-          <a:effectRef idx="0">
-            <a:schemeClr val="accent1"/>
-          </a:effectRef>
-          <a:fontRef idx="minor">
-            <a:schemeClr val="tx1"/>
-          </a:fontRef>
-        </p:style>
-      </p:cxnSp>
-      <p:sp>
-        <p:nvSpPr>
-          <p:cNvPr id="190" name="Rectangle 189">
-            <a:extLst>
-              <a:ext uri="{FF2B5EF4-FFF2-40B4-BE49-F238E27FC236}">
-                <a16:creationId xmlns:a16="http://schemas.microsoft.com/office/drawing/2014/main" id="{CFA4B386-0F2A-B129-F1B4-AACD3DC8A97A}"/>
-              </a:ext>
-            </a:extLst>
-          </p:cNvPr>
-          <p:cNvSpPr/>
-          <p:nvPr/>
-        </p:nvSpPr>
-        <p:spPr>
-          <a:xfrm>
-            <a:off x="345243" y="2168479"/>
-            <a:ext cx="1312008" cy="439252"/>
-          </a:xfrm>
-          <a:prstGeom prst="rect">
-            <a:avLst/>
-          </a:prstGeom>
-          <a:solidFill>
-            <a:schemeClr val="bg1">
-              <a:lumMod val="85000"/>
-            </a:schemeClr>
-          </a:solidFill>
-        </p:spPr>
-        <p:style>
-          <a:lnRef idx="2">
-            <a:schemeClr val="dk1"/>
-          </a:lnRef>
-          <a:fillRef idx="1">
-            <a:schemeClr val="lt1"/>
-          </a:fillRef>
-          <a:effectRef idx="0">
-            <a:schemeClr val="dk1"/>
-          </a:effectRef>
-          <a:fontRef idx="minor">
-            <a:schemeClr val="dk1"/>
-          </a:fontRef>
-        </p:style>
-        <p:txBody>
-          <a:bodyPr rtlCol="0" anchor="ctr"/>
-          <a:lstStyle/>
-          <a:p>
-            <a:pPr algn="ctr"/>
-            <a:r>
-              <a:rPr lang="en-CH" sz="1200" b="1" dirty="0">
-                <a:latin typeface="Garamond" panose="02020404030301010803" pitchFamily="18" charset="0"/>
-              </a:rPr>
-              <a:t>Speech</a:t>
-            </a:r>
-            <a:r>
-              <a:rPr lang="en-CH" sz="1200" b="1" baseline="-25000" dirty="0">
-                <a:latin typeface="Garamond" panose="02020404030301010803" pitchFamily="18" charset="0"/>
-              </a:rPr>
-              <a:t>3</a:t>
-            </a:r>
-            <a:endParaRPr lang="en-CH" sz="1400" b="1" baseline="-25000" dirty="0">
-              <a:latin typeface="Garamond" panose="02020404030301010803" pitchFamily="18" charset="0"/>
-            </a:endParaRPr>
-          </a:p>
-        </p:txBody>
-      </p:sp>
-      <p:cxnSp>
-        <p:nvCxnSpPr>
-          <p:cNvPr id="196" name="Straight Connector 195">
-            <a:extLst>
-              <a:ext uri="{FF2B5EF4-FFF2-40B4-BE49-F238E27FC236}">
-                <a16:creationId xmlns:a16="http://schemas.microsoft.com/office/drawing/2014/main" id="{BE517899-F473-7948-227B-52F8E7CE05B0}"/>
-              </a:ext>
-            </a:extLst>
-          </p:cNvPr>
-          <p:cNvCxnSpPr>
-            <a:cxnSpLocks/>
-            <a:stCxn id="190" idx="3"/>
-          </p:cNvCxnSpPr>
-          <p:nvPr/>
-        </p:nvCxnSpPr>
-        <p:spPr>
-          <a:xfrm>
-            <a:off x="1657251" y="2388105"/>
-            <a:ext cx="1320625" cy="236496"/>
-          </a:xfrm>
-          <a:prstGeom prst="line">
-            <a:avLst/>
-          </a:prstGeom>
-          <a:ln w="19050">
-            <a:solidFill>
-              <a:schemeClr val="tx1"/>
-            </a:solidFill>
-            <a:prstDash val="solid"/>
-          </a:ln>
-        </p:spPr>
-        <p:style>
-          <a:lnRef idx="1">
-            <a:schemeClr val="dk1"/>
-          </a:lnRef>
-          <a:fillRef idx="0">
-            <a:schemeClr val="dk1"/>
-          </a:fillRef>
-          <a:effectRef idx="0">
-            <a:schemeClr val="dk1"/>
-          </a:effectRef>
-          <a:fontRef idx="minor">
-            <a:schemeClr val="tx1"/>
-          </a:fontRef>
-        </p:style>
-      </p:cxnSp>
     </p:spTree>
     <p:extLst>
       <p:ext uri="{BB962C8B-B14F-4D97-AF65-F5344CB8AC3E}">

--- a/Draft_September_2022/Figure_1.pptx
+++ b/Draft_September_2022/Figure_1.pptx
@@ -261,7 +261,7 @@
           <a:p>
             <a:fld id="{4CCD7980-6279-3847-9153-1CCE5938AC85}" type="datetimeFigureOut">
               <a:rPr lang="en-CH" smtClean="0"/>
-              <a:t>20.09.22</a:t>
+              <a:t>20.04.23</a:t>
             </a:fld>
             <a:endParaRPr lang="en-CH"/>
           </a:p>
@@ -461,7 +461,7 @@
           <a:p>
             <a:fld id="{4CCD7980-6279-3847-9153-1CCE5938AC85}" type="datetimeFigureOut">
               <a:rPr lang="en-CH" smtClean="0"/>
-              <a:t>20.09.22</a:t>
+              <a:t>20.04.23</a:t>
             </a:fld>
             <a:endParaRPr lang="en-CH"/>
           </a:p>
@@ -671,7 +671,7 @@
           <a:p>
             <a:fld id="{4CCD7980-6279-3847-9153-1CCE5938AC85}" type="datetimeFigureOut">
               <a:rPr lang="en-CH" smtClean="0"/>
-              <a:t>20.09.22</a:t>
+              <a:t>20.04.23</a:t>
             </a:fld>
             <a:endParaRPr lang="en-CH"/>
           </a:p>
@@ -871,7 +871,7 @@
           <a:p>
             <a:fld id="{4CCD7980-6279-3847-9153-1CCE5938AC85}" type="datetimeFigureOut">
               <a:rPr lang="en-CH" smtClean="0"/>
-              <a:t>20.09.22</a:t>
+              <a:t>20.04.23</a:t>
             </a:fld>
             <a:endParaRPr lang="en-CH"/>
           </a:p>
@@ -1147,7 +1147,7 @@
           <a:p>
             <a:fld id="{4CCD7980-6279-3847-9153-1CCE5938AC85}" type="datetimeFigureOut">
               <a:rPr lang="en-CH" smtClean="0"/>
-              <a:t>20.09.22</a:t>
+              <a:t>20.04.23</a:t>
             </a:fld>
             <a:endParaRPr lang="en-CH"/>
           </a:p>
@@ -1415,7 +1415,7 @@
           <a:p>
             <a:fld id="{4CCD7980-6279-3847-9153-1CCE5938AC85}" type="datetimeFigureOut">
               <a:rPr lang="en-CH" smtClean="0"/>
-              <a:t>20.09.22</a:t>
+              <a:t>20.04.23</a:t>
             </a:fld>
             <a:endParaRPr lang="en-CH"/>
           </a:p>
@@ -1830,7 +1830,7 @@
           <a:p>
             <a:fld id="{4CCD7980-6279-3847-9153-1CCE5938AC85}" type="datetimeFigureOut">
               <a:rPr lang="en-CH" smtClean="0"/>
-              <a:t>20.09.22</a:t>
+              <a:t>20.04.23</a:t>
             </a:fld>
             <a:endParaRPr lang="en-CH"/>
           </a:p>
@@ -1972,7 +1972,7 @@
           <a:p>
             <a:fld id="{4CCD7980-6279-3847-9153-1CCE5938AC85}" type="datetimeFigureOut">
               <a:rPr lang="en-CH" smtClean="0"/>
-              <a:t>20.09.22</a:t>
+              <a:t>20.04.23</a:t>
             </a:fld>
             <a:endParaRPr lang="en-CH"/>
           </a:p>
@@ -2085,7 +2085,7 @@
           <a:p>
             <a:fld id="{4CCD7980-6279-3847-9153-1CCE5938AC85}" type="datetimeFigureOut">
               <a:rPr lang="en-CH" smtClean="0"/>
-              <a:t>20.09.22</a:t>
+              <a:t>20.04.23</a:t>
             </a:fld>
             <a:endParaRPr lang="en-CH"/>
           </a:p>
@@ -2398,7 +2398,7 @@
           <a:p>
             <a:fld id="{4CCD7980-6279-3847-9153-1CCE5938AC85}" type="datetimeFigureOut">
               <a:rPr lang="en-CH" smtClean="0"/>
-              <a:t>20.09.22</a:t>
+              <a:t>20.04.23</a:t>
             </a:fld>
             <a:endParaRPr lang="en-CH"/>
           </a:p>
@@ -2687,7 +2687,7 @@
           <a:p>
             <a:fld id="{4CCD7980-6279-3847-9153-1CCE5938AC85}" type="datetimeFigureOut">
               <a:rPr lang="en-CH" smtClean="0"/>
-              <a:t>20.09.22</a:t>
+              <a:t>20.04.23</a:t>
             </a:fld>
             <a:endParaRPr lang="en-CH"/>
           </a:p>
@@ -2930,7 +2930,7 @@
           <a:p>
             <a:fld id="{4CCD7980-6279-3847-9153-1CCE5938AC85}" type="datetimeFigureOut">
               <a:rPr lang="en-CH" smtClean="0"/>
-              <a:t>20.09.22</a:t>
+              <a:t>20.04.23</a:t>
             </a:fld>
             <a:endParaRPr lang="en-CH"/>
           </a:p>
@@ -3361,7 +3361,7 @@
         </p:nvGrpSpPr>
         <p:grpSpPr>
           <a:xfrm>
-            <a:off x="-76200" y="0"/>
+            <a:off x="-1670539" y="105508"/>
             <a:ext cx="12344400" cy="6945086"/>
             <a:chOff x="-76200" y="0"/>
             <a:chExt cx="12344400" cy="6945086"/>
@@ -3408,9 +3408,7 @@
                 <a:avLst/>
               </a:prstGeom>
               <a:solidFill>
-                <a:schemeClr val="bg1">
-                  <a:lumMod val="95000"/>
-                </a:schemeClr>
+                <a:schemeClr val="bg1"/>
               </a:solidFill>
               <a:ln>
                 <a:solidFill>
